--- a/ZZ_Documentation/T_Templates/Conception préliminaire_v2.0.pptx
+++ b/ZZ_Documentation/T_Templates/Conception préliminaire_v2.0.pptx
@@ -11,7 +11,7 @@
     <p:sldId id="256" r:id="rId2"/>
     <p:sldId id="257" r:id="rId3"/>
   </p:sldIdLst>
-  <p:sldSz cx="12192000" cy="6858000"/>
+  <p:sldSz cx="9144000" cy="6858000" type="screen4x3"/>
   <p:notesSz cx="6858000" cy="9144000"/>
   <p:defaultTextStyle>
     <a:defPPr marR="0" lvl="0" algn="l" rtl="0">
@@ -693,8 +693,8 @@
         </p:nvSpPr>
         <p:spPr>
           <a:xfrm>
-            <a:off x="685800" y="1143000"/>
-            <a:ext cx="5486400" cy="3086100"/>
+            <a:off x="1371600" y="1143000"/>
+            <a:ext cx="4114800" cy="3086100"/>
           </a:xfrm>
           <a:custGeom>
             <a:avLst/>
@@ -1502,8 +1502,8 @@
         </p:nvSpPr>
         <p:spPr>
           <a:xfrm>
-            <a:off x="685800" y="1143000"/>
-            <a:ext cx="5486400" cy="3086100"/>
+            <a:off x="1371600" y="1143000"/>
+            <a:ext cx="4114800" cy="3086100"/>
           </a:xfrm>
           <a:custGeom>
             <a:avLst/>
@@ -1606,8 +1606,8 @@
         </p:nvSpPr>
         <p:spPr>
           <a:xfrm>
-            <a:off x="685800" y="1143000"/>
-            <a:ext cx="5486400" cy="3086100"/>
+            <a:off x="1371600" y="1143000"/>
+            <a:ext cx="4114800" cy="3086100"/>
           </a:xfrm>
           <a:custGeom>
             <a:avLst/>
@@ -1677,8 +1677,8 @@
         </p:nvSpPr>
         <p:spPr>
           <a:xfrm>
-            <a:off x="1524000" y="1122363"/>
-            <a:ext cx="9144000" cy="2387600"/>
+            <a:off x="1143000" y="1122363"/>
+            <a:ext cx="6858000" cy="2387600"/>
           </a:xfrm>
           <a:prstGeom prst="rect">
             <a:avLst/>
@@ -1815,8 +1815,8 @@
         </p:nvSpPr>
         <p:spPr>
           <a:xfrm>
-            <a:off x="1524000" y="3602038"/>
-            <a:ext cx="9144000" cy="1655762"/>
+            <a:off x="1143000" y="3602038"/>
+            <a:ext cx="6858000" cy="1655762"/>
           </a:xfrm>
           <a:prstGeom prst="rect">
             <a:avLst/>
@@ -2000,8 +2000,8 @@
         </p:nvSpPr>
         <p:spPr>
           <a:xfrm>
-            <a:off x="838200" y="6356350"/>
-            <a:ext cx="2743200" cy="365125"/>
+            <a:off x="628650" y="6356351"/>
+            <a:ext cx="2057400" cy="365125"/>
           </a:xfrm>
           <a:prstGeom prst="rect">
             <a:avLst/>
@@ -2131,8 +2131,8 @@
         </p:nvSpPr>
         <p:spPr>
           <a:xfrm>
-            <a:off x="4038600" y="6356350"/>
-            <a:ext cx="4114800" cy="365125"/>
+            <a:off x="3028950" y="6356351"/>
+            <a:ext cx="3086100" cy="365125"/>
           </a:xfrm>
           <a:prstGeom prst="rect">
             <a:avLst/>
@@ -2262,8 +2262,8 @@
         </p:nvSpPr>
         <p:spPr>
           <a:xfrm>
-            <a:off x="8610600" y="6356350"/>
-            <a:ext cx="2743200" cy="365125"/>
+            <a:off x="6457950" y="6356351"/>
+            <a:ext cx="2057400" cy="365125"/>
           </a:xfrm>
           <a:prstGeom prst="rect">
             <a:avLst/>
@@ -2343,20 +2343,12 @@
             </a:lvl9pPr>
           </a:lstStyle>
           <a:p>
-            <a:pPr marL="0" lvl="0" indent="0" algn="r" rtl="0">
-              <a:spcBef>
-                <a:spcPts val="0"/>
-              </a:spcBef>
-              <a:spcAft>
-                <a:spcPts val="0"/>
-              </a:spcAft>
-              <a:buNone/>
-            </a:pPr>
             <a:fld id="{00000000-1234-1234-1234-123412341234}" type="slidenum">
-              <a:rPr lang="fr-FR"/>
+              <a:rPr lang="fr-FR" smtClean="0"/>
+              <a:pPr/>
               <a:t>‹N°›</a:t>
             </a:fld>
-            <a:endParaRPr/>
+            <a:endParaRPr lang="fr-FR"/>
           </a:p>
         </p:txBody>
       </p:sp>
@@ -2397,8 +2389,8 @@
         </p:nvSpPr>
         <p:spPr>
           <a:xfrm>
-            <a:off x="838200" y="365125"/>
-            <a:ext cx="10515600" cy="1325563"/>
+            <a:off x="628650" y="365126"/>
+            <a:ext cx="7886700" cy="1325563"/>
           </a:xfrm>
           <a:prstGeom prst="rect">
             <a:avLst/>
@@ -2534,8 +2526,8 @@
         </p:nvSpPr>
         <p:spPr>
           <a:xfrm rot="5400000">
-            <a:off x="3920331" y="-1256506"/>
-            <a:ext cx="4351338" cy="10515600"/>
+            <a:off x="2396331" y="57944"/>
+            <a:ext cx="4351338" cy="7886700"/>
           </a:xfrm>
           <a:prstGeom prst="rect">
             <a:avLst/>
@@ -2719,8 +2711,8 @@
         </p:nvSpPr>
         <p:spPr>
           <a:xfrm>
-            <a:off x="838200" y="6356350"/>
-            <a:ext cx="2743200" cy="365125"/>
+            <a:off x="628650" y="6356351"/>
+            <a:ext cx="2057400" cy="365125"/>
           </a:xfrm>
           <a:prstGeom prst="rect">
             <a:avLst/>
@@ -2850,8 +2842,8 @@
         </p:nvSpPr>
         <p:spPr>
           <a:xfrm>
-            <a:off x="4038600" y="6356350"/>
-            <a:ext cx="4114800" cy="365125"/>
+            <a:off x="3028950" y="6356351"/>
+            <a:ext cx="3086100" cy="365125"/>
           </a:xfrm>
           <a:prstGeom prst="rect">
             <a:avLst/>
@@ -2981,8 +2973,8 @@
         </p:nvSpPr>
         <p:spPr>
           <a:xfrm>
-            <a:off x="8610600" y="6356350"/>
-            <a:ext cx="2743200" cy="365125"/>
+            <a:off x="6457950" y="6356351"/>
+            <a:ext cx="2057400" cy="365125"/>
           </a:xfrm>
           <a:prstGeom prst="rect">
             <a:avLst/>
@@ -3062,20 +3054,12 @@
             </a:lvl9pPr>
           </a:lstStyle>
           <a:p>
-            <a:pPr marL="0" lvl="0" indent="0" algn="r" rtl="0">
-              <a:spcBef>
-                <a:spcPts val="0"/>
-              </a:spcBef>
-              <a:spcAft>
-                <a:spcPts val="0"/>
-              </a:spcAft>
-              <a:buNone/>
-            </a:pPr>
             <a:fld id="{00000000-1234-1234-1234-123412341234}" type="slidenum">
-              <a:rPr lang="fr-FR"/>
+              <a:rPr lang="fr-FR" smtClean="0"/>
+              <a:pPr/>
               <a:t>‹N°›</a:t>
             </a:fld>
-            <a:endParaRPr/>
+            <a:endParaRPr lang="fr-FR"/>
           </a:p>
         </p:txBody>
       </p:sp>
@@ -3116,8 +3100,8 @@
         </p:nvSpPr>
         <p:spPr>
           <a:xfrm rot="5400000">
-            <a:off x="7133431" y="1956594"/>
-            <a:ext cx="5811838" cy="2628900"/>
+            <a:off x="4623594" y="2285207"/>
+            <a:ext cx="5811838" cy="1971675"/>
           </a:xfrm>
           <a:prstGeom prst="rect">
             <a:avLst/>
@@ -3253,8 +3237,8 @@
         </p:nvSpPr>
         <p:spPr>
           <a:xfrm rot="5400000">
-            <a:off x="1799431" y="-596106"/>
-            <a:ext cx="5811838" cy="7734300"/>
+            <a:off x="623094" y="370682"/>
+            <a:ext cx="5811838" cy="5800725"/>
           </a:xfrm>
           <a:prstGeom prst="rect">
             <a:avLst/>
@@ -3438,8 +3422,8 @@
         </p:nvSpPr>
         <p:spPr>
           <a:xfrm>
-            <a:off x="838200" y="6356350"/>
-            <a:ext cx="2743200" cy="365125"/>
+            <a:off x="628650" y="6356351"/>
+            <a:ext cx="2057400" cy="365125"/>
           </a:xfrm>
           <a:prstGeom prst="rect">
             <a:avLst/>
@@ -3569,8 +3553,8 @@
         </p:nvSpPr>
         <p:spPr>
           <a:xfrm>
-            <a:off x="4038600" y="6356350"/>
-            <a:ext cx="4114800" cy="365125"/>
+            <a:off x="3028950" y="6356351"/>
+            <a:ext cx="3086100" cy="365125"/>
           </a:xfrm>
           <a:prstGeom prst="rect">
             <a:avLst/>
@@ -3700,8 +3684,8 @@
         </p:nvSpPr>
         <p:spPr>
           <a:xfrm>
-            <a:off x="8610600" y="6356350"/>
-            <a:ext cx="2743200" cy="365125"/>
+            <a:off x="6457950" y="6356351"/>
+            <a:ext cx="2057400" cy="365125"/>
           </a:xfrm>
           <a:prstGeom prst="rect">
             <a:avLst/>
@@ -3781,20 +3765,12 @@
             </a:lvl9pPr>
           </a:lstStyle>
           <a:p>
-            <a:pPr marL="0" lvl="0" indent="0" algn="r" rtl="0">
-              <a:spcBef>
-                <a:spcPts val="0"/>
-              </a:spcBef>
-              <a:spcAft>
-                <a:spcPts val="0"/>
-              </a:spcAft>
-              <a:buNone/>
-            </a:pPr>
             <a:fld id="{00000000-1234-1234-1234-123412341234}" type="slidenum">
-              <a:rPr lang="fr-FR"/>
+              <a:rPr lang="fr-FR" smtClean="0"/>
+              <a:pPr/>
               <a:t>‹N°›</a:t>
             </a:fld>
-            <a:endParaRPr/>
+            <a:endParaRPr lang="fr-FR"/>
           </a:p>
         </p:txBody>
       </p:sp>
@@ -3835,8 +3811,8 @@
         </p:nvSpPr>
         <p:spPr>
           <a:xfrm>
-            <a:off x="838200" y="365125"/>
-            <a:ext cx="10515600" cy="1325563"/>
+            <a:off x="628650" y="365126"/>
+            <a:ext cx="7886700" cy="1325563"/>
           </a:xfrm>
           <a:prstGeom prst="rect">
             <a:avLst/>
@@ -3972,8 +3948,8 @@
         </p:nvSpPr>
         <p:spPr>
           <a:xfrm>
-            <a:off x="838200" y="1825625"/>
-            <a:ext cx="10515600" cy="4351338"/>
+            <a:off x="628650" y="1825625"/>
+            <a:ext cx="7886700" cy="4351338"/>
           </a:xfrm>
           <a:prstGeom prst="rect">
             <a:avLst/>
@@ -4157,8 +4133,8 @@
         </p:nvSpPr>
         <p:spPr>
           <a:xfrm>
-            <a:off x="838200" y="6356350"/>
-            <a:ext cx="2743200" cy="365125"/>
+            <a:off x="628650" y="6356351"/>
+            <a:ext cx="2057400" cy="365125"/>
           </a:xfrm>
           <a:prstGeom prst="rect">
             <a:avLst/>
@@ -4288,8 +4264,8 @@
         </p:nvSpPr>
         <p:spPr>
           <a:xfrm>
-            <a:off x="4038600" y="6356350"/>
-            <a:ext cx="4114800" cy="365125"/>
+            <a:off x="3028950" y="6356351"/>
+            <a:ext cx="3086100" cy="365125"/>
           </a:xfrm>
           <a:prstGeom prst="rect">
             <a:avLst/>
@@ -4419,8 +4395,8 @@
         </p:nvSpPr>
         <p:spPr>
           <a:xfrm>
-            <a:off x="8610600" y="6356350"/>
-            <a:ext cx="2743200" cy="365125"/>
+            <a:off x="6457950" y="6356351"/>
+            <a:ext cx="2057400" cy="365125"/>
           </a:xfrm>
           <a:prstGeom prst="rect">
             <a:avLst/>
@@ -4500,20 +4476,12 @@
             </a:lvl9pPr>
           </a:lstStyle>
           <a:p>
-            <a:pPr marL="0" lvl="0" indent="0" algn="r" rtl="0">
-              <a:spcBef>
-                <a:spcPts val="0"/>
-              </a:spcBef>
-              <a:spcAft>
-                <a:spcPts val="0"/>
-              </a:spcAft>
-              <a:buNone/>
-            </a:pPr>
             <a:fld id="{00000000-1234-1234-1234-123412341234}" type="slidenum">
-              <a:rPr lang="fr-FR"/>
+              <a:rPr lang="fr-FR" smtClean="0"/>
+              <a:pPr/>
               <a:t>‹N°›</a:t>
             </a:fld>
-            <a:endParaRPr/>
+            <a:endParaRPr lang="fr-FR"/>
           </a:p>
         </p:txBody>
       </p:sp>
@@ -4554,8 +4522,8 @@
         </p:nvSpPr>
         <p:spPr>
           <a:xfrm>
-            <a:off x="831850" y="1709738"/>
-            <a:ext cx="10515600" cy="2852737"/>
+            <a:off x="623888" y="1709739"/>
+            <a:ext cx="7886700" cy="2852737"/>
           </a:xfrm>
           <a:prstGeom prst="rect">
             <a:avLst/>
@@ -4692,8 +4660,8 @@
         </p:nvSpPr>
         <p:spPr>
           <a:xfrm>
-            <a:off x="831850" y="4589463"/>
-            <a:ext cx="10515600" cy="1500187"/>
+            <a:off x="623888" y="4589464"/>
+            <a:ext cx="7886700" cy="1500187"/>
           </a:xfrm>
           <a:prstGeom prst="rect">
             <a:avLst/>
@@ -4913,8 +4881,8 @@
         </p:nvSpPr>
         <p:spPr>
           <a:xfrm>
-            <a:off x="838200" y="6356350"/>
-            <a:ext cx="2743200" cy="365125"/>
+            <a:off x="628650" y="6356351"/>
+            <a:ext cx="2057400" cy="365125"/>
           </a:xfrm>
           <a:prstGeom prst="rect">
             <a:avLst/>
@@ -5044,8 +5012,8 @@
         </p:nvSpPr>
         <p:spPr>
           <a:xfrm>
-            <a:off x="4038600" y="6356350"/>
-            <a:ext cx="4114800" cy="365125"/>
+            <a:off x="3028950" y="6356351"/>
+            <a:ext cx="3086100" cy="365125"/>
           </a:xfrm>
           <a:prstGeom prst="rect">
             <a:avLst/>
@@ -5175,8 +5143,8 @@
         </p:nvSpPr>
         <p:spPr>
           <a:xfrm>
-            <a:off x="8610600" y="6356350"/>
-            <a:ext cx="2743200" cy="365125"/>
+            <a:off x="6457950" y="6356351"/>
+            <a:ext cx="2057400" cy="365125"/>
           </a:xfrm>
           <a:prstGeom prst="rect">
             <a:avLst/>
@@ -5256,20 +5224,12 @@
             </a:lvl9pPr>
           </a:lstStyle>
           <a:p>
-            <a:pPr marL="0" lvl="0" indent="0" algn="r" rtl="0">
-              <a:spcBef>
-                <a:spcPts val="0"/>
-              </a:spcBef>
-              <a:spcAft>
-                <a:spcPts val="0"/>
-              </a:spcAft>
-              <a:buNone/>
-            </a:pPr>
             <a:fld id="{00000000-1234-1234-1234-123412341234}" type="slidenum">
-              <a:rPr lang="fr-FR"/>
+              <a:rPr lang="fr-FR" smtClean="0"/>
+              <a:pPr/>
               <a:t>‹N°›</a:t>
             </a:fld>
-            <a:endParaRPr/>
+            <a:endParaRPr lang="fr-FR"/>
           </a:p>
         </p:txBody>
       </p:sp>
@@ -5310,8 +5270,8 @@
         </p:nvSpPr>
         <p:spPr>
           <a:xfrm>
-            <a:off x="838200" y="365125"/>
-            <a:ext cx="10515600" cy="1325563"/>
+            <a:off x="628650" y="365126"/>
+            <a:ext cx="7886700" cy="1325563"/>
           </a:xfrm>
           <a:prstGeom prst="rect">
             <a:avLst/>
@@ -5447,8 +5407,8 @@
         </p:nvSpPr>
         <p:spPr>
           <a:xfrm>
-            <a:off x="838200" y="1825625"/>
-            <a:ext cx="5181600" cy="4351338"/>
+            <a:off x="628650" y="1825625"/>
+            <a:ext cx="3886200" cy="4351338"/>
           </a:xfrm>
           <a:prstGeom prst="rect">
             <a:avLst/>
@@ -5632,8 +5592,8 @@
         </p:nvSpPr>
         <p:spPr>
           <a:xfrm>
-            <a:off x="6172200" y="1825625"/>
-            <a:ext cx="5181600" cy="4351338"/>
+            <a:off x="4629150" y="1825625"/>
+            <a:ext cx="3886200" cy="4351338"/>
           </a:xfrm>
           <a:prstGeom prst="rect">
             <a:avLst/>
@@ -5817,8 +5777,8 @@
         </p:nvSpPr>
         <p:spPr>
           <a:xfrm>
-            <a:off x="838200" y="6356350"/>
-            <a:ext cx="2743200" cy="365125"/>
+            <a:off x="628650" y="6356351"/>
+            <a:ext cx="2057400" cy="365125"/>
           </a:xfrm>
           <a:prstGeom prst="rect">
             <a:avLst/>
@@ -5948,8 +5908,8 @@
         </p:nvSpPr>
         <p:spPr>
           <a:xfrm>
-            <a:off x="4038600" y="6356350"/>
-            <a:ext cx="4114800" cy="365125"/>
+            <a:off x="3028950" y="6356351"/>
+            <a:ext cx="3086100" cy="365125"/>
           </a:xfrm>
           <a:prstGeom prst="rect">
             <a:avLst/>
@@ -6079,8 +6039,8 @@
         </p:nvSpPr>
         <p:spPr>
           <a:xfrm>
-            <a:off x="8610600" y="6356350"/>
-            <a:ext cx="2743200" cy="365125"/>
+            <a:off x="6457950" y="6356351"/>
+            <a:ext cx="2057400" cy="365125"/>
           </a:xfrm>
           <a:prstGeom prst="rect">
             <a:avLst/>
@@ -6160,20 +6120,12 @@
             </a:lvl9pPr>
           </a:lstStyle>
           <a:p>
-            <a:pPr marL="0" lvl="0" indent="0" algn="r" rtl="0">
-              <a:spcBef>
-                <a:spcPts val="0"/>
-              </a:spcBef>
-              <a:spcAft>
-                <a:spcPts val="0"/>
-              </a:spcAft>
-              <a:buNone/>
-            </a:pPr>
             <a:fld id="{00000000-1234-1234-1234-123412341234}" type="slidenum">
-              <a:rPr lang="fr-FR"/>
+              <a:rPr lang="fr-FR" smtClean="0"/>
+              <a:pPr/>
               <a:t>‹N°›</a:t>
             </a:fld>
-            <a:endParaRPr/>
+            <a:endParaRPr lang="fr-FR"/>
           </a:p>
         </p:txBody>
       </p:sp>
@@ -6214,8 +6166,8 @@
         </p:nvSpPr>
         <p:spPr>
           <a:xfrm>
-            <a:off x="839788" y="365125"/>
-            <a:ext cx="10515600" cy="1325563"/>
+            <a:off x="629841" y="365126"/>
+            <a:ext cx="7886700" cy="1325563"/>
           </a:xfrm>
           <a:prstGeom prst="rect">
             <a:avLst/>
@@ -6351,8 +6303,8 @@
         </p:nvSpPr>
         <p:spPr>
           <a:xfrm>
-            <a:off x="839788" y="1681163"/>
-            <a:ext cx="5157787" cy="823912"/>
+            <a:off x="629842" y="1681163"/>
+            <a:ext cx="3868340" cy="823912"/>
           </a:xfrm>
           <a:prstGeom prst="rect">
             <a:avLst/>
@@ -6536,8 +6488,8 @@
         </p:nvSpPr>
         <p:spPr>
           <a:xfrm>
-            <a:off x="839788" y="2505075"/>
-            <a:ext cx="5157787" cy="3684588"/>
+            <a:off x="629842" y="2505075"/>
+            <a:ext cx="3868340" cy="3684588"/>
           </a:xfrm>
           <a:prstGeom prst="rect">
             <a:avLst/>
@@ -6721,8 +6673,8 @@
         </p:nvSpPr>
         <p:spPr>
           <a:xfrm>
-            <a:off x="6172200" y="1681163"/>
-            <a:ext cx="5183188" cy="823912"/>
+            <a:off x="4629150" y="1681163"/>
+            <a:ext cx="3887391" cy="823912"/>
           </a:xfrm>
           <a:prstGeom prst="rect">
             <a:avLst/>
@@ -6906,8 +6858,8 @@
         </p:nvSpPr>
         <p:spPr>
           <a:xfrm>
-            <a:off x="6172200" y="2505075"/>
-            <a:ext cx="5183188" cy="3684588"/>
+            <a:off x="4629150" y="2505075"/>
+            <a:ext cx="3887391" cy="3684588"/>
           </a:xfrm>
           <a:prstGeom prst="rect">
             <a:avLst/>
@@ -7091,8 +7043,8 @@
         </p:nvSpPr>
         <p:spPr>
           <a:xfrm>
-            <a:off x="838200" y="6356350"/>
-            <a:ext cx="2743200" cy="365125"/>
+            <a:off x="628650" y="6356351"/>
+            <a:ext cx="2057400" cy="365125"/>
           </a:xfrm>
           <a:prstGeom prst="rect">
             <a:avLst/>
@@ -7222,8 +7174,8 @@
         </p:nvSpPr>
         <p:spPr>
           <a:xfrm>
-            <a:off x="4038600" y="6356350"/>
-            <a:ext cx="4114800" cy="365125"/>
+            <a:off x="3028950" y="6356351"/>
+            <a:ext cx="3086100" cy="365125"/>
           </a:xfrm>
           <a:prstGeom prst="rect">
             <a:avLst/>
@@ -7353,8 +7305,8 @@
         </p:nvSpPr>
         <p:spPr>
           <a:xfrm>
-            <a:off x="8610600" y="6356350"/>
-            <a:ext cx="2743200" cy="365125"/>
+            <a:off x="6457950" y="6356351"/>
+            <a:ext cx="2057400" cy="365125"/>
           </a:xfrm>
           <a:prstGeom prst="rect">
             <a:avLst/>
@@ -7434,20 +7386,12 @@
             </a:lvl9pPr>
           </a:lstStyle>
           <a:p>
-            <a:pPr marL="0" lvl="0" indent="0" algn="r" rtl="0">
-              <a:spcBef>
-                <a:spcPts val="0"/>
-              </a:spcBef>
-              <a:spcAft>
-                <a:spcPts val="0"/>
-              </a:spcAft>
-              <a:buNone/>
-            </a:pPr>
             <a:fld id="{00000000-1234-1234-1234-123412341234}" type="slidenum">
-              <a:rPr lang="fr-FR"/>
+              <a:rPr lang="fr-FR" smtClean="0"/>
+              <a:pPr/>
               <a:t>‹N°›</a:t>
             </a:fld>
-            <a:endParaRPr/>
+            <a:endParaRPr lang="fr-FR"/>
           </a:p>
         </p:txBody>
       </p:sp>
@@ -7488,8 +7432,8 @@
         </p:nvSpPr>
         <p:spPr>
           <a:xfrm>
-            <a:off x="838200" y="365125"/>
-            <a:ext cx="10515600" cy="1325563"/>
+            <a:off x="628650" y="365126"/>
+            <a:ext cx="7886700" cy="1325563"/>
           </a:xfrm>
           <a:prstGeom prst="rect">
             <a:avLst/>
@@ -7625,8 +7569,8 @@
         </p:nvSpPr>
         <p:spPr>
           <a:xfrm>
-            <a:off x="838200" y="6356350"/>
-            <a:ext cx="2743200" cy="365125"/>
+            <a:off x="628650" y="6356351"/>
+            <a:ext cx="2057400" cy="365125"/>
           </a:xfrm>
           <a:prstGeom prst="rect">
             <a:avLst/>
@@ -7756,8 +7700,8 @@
         </p:nvSpPr>
         <p:spPr>
           <a:xfrm>
-            <a:off x="4038600" y="6356350"/>
-            <a:ext cx="4114800" cy="365125"/>
+            <a:off x="3028950" y="6356351"/>
+            <a:ext cx="3086100" cy="365125"/>
           </a:xfrm>
           <a:prstGeom prst="rect">
             <a:avLst/>
@@ -7887,8 +7831,8 @@
         </p:nvSpPr>
         <p:spPr>
           <a:xfrm>
-            <a:off x="8610600" y="6356350"/>
-            <a:ext cx="2743200" cy="365125"/>
+            <a:off x="6457950" y="6356351"/>
+            <a:ext cx="2057400" cy="365125"/>
           </a:xfrm>
           <a:prstGeom prst="rect">
             <a:avLst/>
@@ -7968,20 +7912,12 @@
             </a:lvl9pPr>
           </a:lstStyle>
           <a:p>
-            <a:pPr marL="0" lvl="0" indent="0" algn="r" rtl="0">
-              <a:spcBef>
-                <a:spcPts val="0"/>
-              </a:spcBef>
-              <a:spcAft>
-                <a:spcPts val="0"/>
-              </a:spcAft>
-              <a:buNone/>
-            </a:pPr>
             <a:fld id="{00000000-1234-1234-1234-123412341234}" type="slidenum">
-              <a:rPr lang="fr-FR"/>
+              <a:rPr lang="fr-FR" smtClean="0"/>
+              <a:pPr/>
               <a:t>‹N°›</a:t>
             </a:fld>
-            <a:endParaRPr/>
+            <a:endParaRPr lang="fr-FR"/>
           </a:p>
         </p:txBody>
       </p:sp>
@@ -8022,8 +7958,8 @@
         </p:nvSpPr>
         <p:spPr>
           <a:xfrm>
-            <a:off x="838200" y="6356350"/>
-            <a:ext cx="2743200" cy="365125"/>
+            <a:off x="628650" y="6356351"/>
+            <a:ext cx="2057400" cy="365125"/>
           </a:xfrm>
           <a:prstGeom prst="rect">
             <a:avLst/>
@@ -8153,8 +8089,8 @@
         </p:nvSpPr>
         <p:spPr>
           <a:xfrm>
-            <a:off x="4038600" y="6356350"/>
-            <a:ext cx="4114800" cy="365125"/>
+            <a:off x="3028950" y="6356351"/>
+            <a:ext cx="3086100" cy="365125"/>
           </a:xfrm>
           <a:prstGeom prst="rect">
             <a:avLst/>
@@ -8284,8 +8220,8 @@
         </p:nvSpPr>
         <p:spPr>
           <a:xfrm>
-            <a:off x="8610600" y="6356350"/>
-            <a:ext cx="2743200" cy="365125"/>
+            <a:off x="6457950" y="6356351"/>
+            <a:ext cx="2057400" cy="365125"/>
           </a:xfrm>
           <a:prstGeom prst="rect">
             <a:avLst/>
@@ -8365,20 +8301,12 @@
             </a:lvl9pPr>
           </a:lstStyle>
           <a:p>
-            <a:pPr marL="0" lvl="0" indent="0" algn="r" rtl="0">
-              <a:spcBef>
-                <a:spcPts val="0"/>
-              </a:spcBef>
-              <a:spcAft>
-                <a:spcPts val="0"/>
-              </a:spcAft>
-              <a:buNone/>
-            </a:pPr>
             <a:fld id="{00000000-1234-1234-1234-123412341234}" type="slidenum">
-              <a:rPr lang="fr-FR"/>
+              <a:rPr lang="fr-FR" smtClean="0"/>
+              <a:pPr/>
               <a:t>‹N°›</a:t>
             </a:fld>
-            <a:endParaRPr/>
+            <a:endParaRPr lang="fr-FR"/>
           </a:p>
         </p:txBody>
       </p:sp>
@@ -8419,8 +8347,8 @@
         </p:nvSpPr>
         <p:spPr>
           <a:xfrm>
-            <a:off x="839788" y="457200"/>
-            <a:ext cx="3932237" cy="1600200"/>
+            <a:off x="629841" y="457200"/>
+            <a:ext cx="2949178" cy="1600200"/>
           </a:xfrm>
           <a:prstGeom prst="rect">
             <a:avLst/>
@@ -8557,8 +8485,8 @@
         </p:nvSpPr>
         <p:spPr>
           <a:xfrm>
-            <a:off x="5183188" y="987425"/>
-            <a:ext cx="6172200" cy="4873625"/>
+            <a:off x="3887391" y="987426"/>
+            <a:ext cx="4629150" cy="4873625"/>
           </a:xfrm>
           <a:prstGeom prst="rect">
             <a:avLst/>
@@ -8742,8 +8670,8 @@
         </p:nvSpPr>
         <p:spPr>
           <a:xfrm>
-            <a:off x="839788" y="2057400"/>
-            <a:ext cx="3932237" cy="3811588"/>
+            <a:off x="629841" y="2057400"/>
+            <a:ext cx="2949178" cy="3811588"/>
           </a:xfrm>
           <a:prstGeom prst="rect">
             <a:avLst/>
@@ -8927,8 +8855,8 @@
         </p:nvSpPr>
         <p:spPr>
           <a:xfrm>
-            <a:off x="838200" y="6356350"/>
-            <a:ext cx="2743200" cy="365125"/>
+            <a:off x="628650" y="6356351"/>
+            <a:ext cx="2057400" cy="365125"/>
           </a:xfrm>
           <a:prstGeom prst="rect">
             <a:avLst/>
@@ -9058,8 +8986,8 @@
         </p:nvSpPr>
         <p:spPr>
           <a:xfrm>
-            <a:off x="4038600" y="6356350"/>
-            <a:ext cx="4114800" cy="365125"/>
+            <a:off x="3028950" y="6356351"/>
+            <a:ext cx="3086100" cy="365125"/>
           </a:xfrm>
           <a:prstGeom prst="rect">
             <a:avLst/>
@@ -9189,8 +9117,8 @@
         </p:nvSpPr>
         <p:spPr>
           <a:xfrm>
-            <a:off x="8610600" y="6356350"/>
-            <a:ext cx="2743200" cy="365125"/>
+            <a:off x="6457950" y="6356351"/>
+            <a:ext cx="2057400" cy="365125"/>
           </a:xfrm>
           <a:prstGeom prst="rect">
             <a:avLst/>
@@ -9270,20 +9198,12 @@
             </a:lvl9pPr>
           </a:lstStyle>
           <a:p>
-            <a:pPr marL="0" lvl="0" indent="0" algn="r" rtl="0">
-              <a:spcBef>
-                <a:spcPts val="0"/>
-              </a:spcBef>
-              <a:spcAft>
-                <a:spcPts val="0"/>
-              </a:spcAft>
-              <a:buNone/>
-            </a:pPr>
             <a:fld id="{00000000-1234-1234-1234-123412341234}" type="slidenum">
-              <a:rPr lang="fr-FR"/>
+              <a:rPr lang="fr-FR" smtClean="0"/>
+              <a:pPr/>
               <a:t>‹N°›</a:t>
             </a:fld>
-            <a:endParaRPr/>
+            <a:endParaRPr lang="fr-FR"/>
           </a:p>
         </p:txBody>
       </p:sp>
@@ -9324,8 +9244,8 @@
         </p:nvSpPr>
         <p:spPr>
           <a:xfrm>
-            <a:off x="839788" y="457200"/>
-            <a:ext cx="3932237" cy="1600200"/>
+            <a:off x="629841" y="457200"/>
+            <a:ext cx="2949178" cy="1600200"/>
           </a:xfrm>
           <a:prstGeom prst="rect">
             <a:avLst/>
@@ -9462,8 +9382,8 @@
         </p:nvSpPr>
         <p:spPr>
           <a:xfrm>
-            <a:off x="5183188" y="987425"/>
-            <a:ext cx="6172200" cy="4873625"/>
+            <a:off x="3887391" y="987426"/>
+            <a:ext cx="4629150" cy="4873625"/>
           </a:xfrm>
           <a:prstGeom prst="rect">
             <a:avLst/>
@@ -9728,8 +9648,8 @@
         </p:nvSpPr>
         <p:spPr>
           <a:xfrm>
-            <a:off x="839788" y="2057400"/>
-            <a:ext cx="3932237" cy="3811588"/>
+            <a:off x="629841" y="2057400"/>
+            <a:ext cx="2949178" cy="3811588"/>
           </a:xfrm>
           <a:prstGeom prst="rect">
             <a:avLst/>
@@ -9913,8 +9833,8 @@
         </p:nvSpPr>
         <p:spPr>
           <a:xfrm>
-            <a:off x="838200" y="6356350"/>
-            <a:ext cx="2743200" cy="365125"/>
+            <a:off x="628650" y="6356351"/>
+            <a:ext cx="2057400" cy="365125"/>
           </a:xfrm>
           <a:prstGeom prst="rect">
             <a:avLst/>
@@ -10044,8 +9964,8 @@
         </p:nvSpPr>
         <p:spPr>
           <a:xfrm>
-            <a:off x="4038600" y="6356350"/>
-            <a:ext cx="4114800" cy="365125"/>
+            <a:off x="3028950" y="6356351"/>
+            <a:ext cx="3086100" cy="365125"/>
           </a:xfrm>
           <a:prstGeom prst="rect">
             <a:avLst/>
@@ -10175,8 +10095,8 @@
         </p:nvSpPr>
         <p:spPr>
           <a:xfrm>
-            <a:off x="8610600" y="6356350"/>
-            <a:ext cx="2743200" cy="365125"/>
+            <a:off x="6457950" y="6356351"/>
+            <a:ext cx="2057400" cy="365125"/>
           </a:xfrm>
           <a:prstGeom prst="rect">
             <a:avLst/>
@@ -10256,20 +10176,12 @@
             </a:lvl9pPr>
           </a:lstStyle>
           <a:p>
-            <a:pPr marL="0" lvl="0" indent="0" algn="r" rtl="0">
-              <a:spcBef>
-                <a:spcPts val="0"/>
-              </a:spcBef>
-              <a:spcAft>
-                <a:spcPts val="0"/>
-              </a:spcAft>
-              <a:buNone/>
-            </a:pPr>
             <a:fld id="{00000000-1234-1234-1234-123412341234}" type="slidenum">
-              <a:rPr lang="fr-FR"/>
+              <a:rPr lang="fr-FR" smtClean="0"/>
+              <a:pPr/>
               <a:t>‹N°›</a:t>
             </a:fld>
-            <a:endParaRPr/>
+            <a:endParaRPr lang="fr-FR"/>
           </a:p>
         </p:txBody>
       </p:sp>
@@ -10318,8 +10230,8 @@
         </p:nvSpPr>
         <p:spPr>
           <a:xfrm>
-            <a:off x="838200" y="365125"/>
-            <a:ext cx="10515600" cy="1325563"/>
+            <a:off x="628650" y="365126"/>
+            <a:ext cx="7886700" cy="1325563"/>
           </a:xfrm>
           <a:prstGeom prst="rect">
             <a:avLst/>
@@ -10464,8 +10376,8 @@
         </p:nvSpPr>
         <p:spPr>
           <a:xfrm>
-            <a:off x="838200" y="1825625"/>
-            <a:ext cx="10515600" cy="4351338"/>
+            <a:off x="628650" y="1825625"/>
+            <a:ext cx="7886700" cy="4351338"/>
           </a:xfrm>
           <a:prstGeom prst="rect">
             <a:avLst/>
@@ -10730,8 +10642,8 @@
         </p:nvSpPr>
         <p:spPr>
           <a:xfrm>
-            <a:off x="838200" y="6356350"/>
-            <a:ext cx="2743200" cy="365125"/>
+            <a:off x="628650" y="6356351"/>
+            <a:ext cx="2057400" cy="365125"/>
           </a:xfrm>
           <a:prstGeom prst="rect">
             <a:avLst/>
@@ -10933,8 +10845,8 @@
         </p:nvSpPr>
         <p:spPr>
           <a:xfrm>
-            <a:off x="4038600" y="6356350"/>
-            <a:ext cx="4114800" cy="365125"/>
+            <a:off x="3028950" y="6356351"/>
+            <a:ext cx="3086100" cy="365125"/>
           </a:xfrm>
           <a:prstGeom prst="rect">
             <a:avLst/>
@@ -11136,8 +11048,8 @@
         </p:nvSpPr>
         <p:spPr>
           <a:xfrm>
-            <a:off x="8610600" y="6356350"/>
-            <a:ext cx="2743200" cy="365125"/>
+            <a:off x="6457950" y="6356351"/>
+            <a:ext cx="2057400" cy="365125"/>
           </a:xfrm>
           <a:prstGeom prst="rect">
             <a:avLst/>
@@ -11289,20 +11201,12 @@
             </a:lvl9pPr>
           </a:lstStyle>
           <a:p>
-            <a:pPr marL="0" lvl="0" indent="0" algn="r" rtl="0">
-              <a:spcBef>
-                <a:spcPts val="0"/>
-              </a:spcBef>
-              <a:spcAft>
-                <a:spcPts val="0"/>
-              </a:spcAft>
-              <a:buNone/>
-            </a:pPr>
             <a:fld id="{00000000-1234-1234-1234-123412341234}" type="slidenum">
-              <a:rPr lang="fr-FR"/>
+              <a:rPr lang="fr-FR" smtClean="0"/>
+              <a:pPr/>
               <a:t>‹N°›</a:t>
             </a:fld>
-            <a:endParaRPr/>
+            <a:endParaRPr lang="fr-FR"/>
           </a:p>
         </p:txBody>
       </p:sp>
@@ -12053,8 +11957,8 @@
         </p:nvSpPr>
         <p:spPr>
           <a:xfrm>
-            <a:off x="-1" y="0"/>
-            <a:ext cx="6735029" cy="461665"/>
+            <a:off x="0" y="1"/>
+            <a:ext cx="5211028" cy="461665"/>
           </a:xfrm>
           <a:prstGeom prst="rect">
             <a:avLst/>
@@ -12070,17 +11974,9 @@
           </a:bodyPr>
           <a:lstStyle/>
           <a:p>
-            <a:pPr marL="0" marR="0" lvl="0" indent="0" algn="ctr" rtl="0">
-              <a:spcBef>
-                <a:spcPts val="0"/>
-              </a:spcBef>
-              <a:spcAft>
-                <a:spcPts val="0"/>
-              </a:spcAft>
-              <a:buNone/>
-            </a:pPr>
+            <a:pPr algn="ctr"/>
             <a:r>
-              <a:rPr lang="fr-FR" sz="2400" b="1" i="0" u="sng" strike="noStrike" cap="none" dirty="0">
+              <a:rPr lang="fr-FR" sz="2400" b="1" u="sng" dirty="0">
                 <a:solidFill>
                   <a:srgbClr val="C2381E"/>
                 </a:solidFill>
@@ -12092,7 +11988,7 @@
               <a:t>TOP Pré-Dim </a:t>
             </a:r>
             <a:r>
-              <a:rPr lang="fr-FR" sz="2000" b="1" i="0" u="sng" strike="noStrike" cap="none" dirty="0">
+              <a:rPr lang="fr-FR" sz="2000" b="1" u="sng" dirty="0">
                 <a:solidFill>
                   <a:schemeClr val="tx1"/>
                 </a:solidFill>
@@ -12125,8 +12021,8 @@
         </p:nvSpPr>
         <p:spPr>
           <a:xfrm>
-            <a:off x="-3" y="595012"/>
-            <a:ext cx="6735032" cy="523220"/>
+            <a:off x="-1" y="595012"/>
+            <a:ext cx="5211029" cy="430887"/>
           </a:xfrm>
           <a:prstGeom prst="rect">
             <a:avLst/>
@@ -12145,17 +12041,17 @@
           <a:lstStyle/>
           <a:p>
             <a:r>
-              <a:rPr lang="en-US" b="1" dirty="0"/>
+              <a:rPr lang="en-US" sz="1200" b="1" dirty="0"/>
               <a:t>Nom de la pièce, Nomenclature</a:t>
             </a:r>
           </a:p>
           <a:p>
             <a:r>
-              <a:rPr lang="fr-FR" dirty="0"/>
+              <a:rPr lang="fr-FR" sz="1000" dirty="0"/>
               <a:t>Fonction</a:t>
             </a:r>
             <a:r>
-              <a:rPr lang="en-US" dirty="0"/>
+              <a:rPr lang="en-US" sz="1000" dirty="0"/>
               <a:t> de la pièce</a:t>
             </a:r>
           </a:p>
@@ -12175,8 +12071,8 @@
         </p:nvSpPr>
         <p:spPr>
           <a:xfrm>
-            <a:off x="-4" y="1118232"/>
-            <a:ext cx="6735029" cy="1492716"/>
+            <a:off x="0" y="1056677"/>
+            <a:ext cx="5211029" cy="1738938"/>
           </a:xfrm>
           <a:prstGeom prst="rect">
             <a:avLst/>
@@ -12195,41 +12091,41 @@
           <a:lstStyle/>
           <a:p>
             <a:r>
-              <a:rPr lang="fr-FR" b="1" dirty="0"/>
+              <a:rPr lang="fr-FR" sz="1200" b="1" dirty="0"/>
               <a:t>Exigences et cas de charges</a:t>
             </a:r>
           </a:p>
           <a:p>
             <a:r>
-              <a:rPr lang="fr-FR" sz="1100" dirty="0"/>
+              <a:rPr lang="fr-FR" sz="1000" dirty="0"/>
               <a:t>Performances attendues (vitesse; accélération, rayon de braquage, score compétition, autonomie…) – </a:t>
             </a:r>
             <a:r>
-              <a:rPr lang="fr-FR" sz="1100" dirty="0">
+              <a:rPr lang="fr-FR" sz="1000" dirty="0">
                 <a:highlight>
                   <a:srgbClr val="FF0000"/>
                 </a:highlight>
               </a:rPr>
               <a:t>requis</a:t>
             </a:r>
-            <a:endParaRPr lang="fr-FR" sz="1100" dirty="0"/>
+            <a:endParaRPr lang="fr-FR" sz="1000" dirty="0"/>
           </a:p>
           <a:p>
             <a:r>
-              <a:rPr lang="fr-FR" sz="1100" dirty="0"/>
+              <a:rPr lang="fr-FR" sz="1000" dirty="0"/>
               <a:t>Sollicitations (thermique, mécanique statique et dynamique, aérodynamique, électriques…)</a:t>
             </a:r>
           </a:p>
           <a:p>
-            <a:endParaRPr lang="fr-FR" sz="1100" dirty="0"/>
+            <a:endParaRPr lang="fr-FR" sz="1000" dirty="0"/>
           </a:p>
           <a:p>
             <a:r>
-              <a:rPr lang="fr-FR" sz="1100" dirty="0"/>
+              <a:rPr lang="fr-FR" sz="1000" dirty="0"/>
               <a:t>Cas normal – </a:t>
             </a:r>
             <a:r>
-              <a:rPr lang="fr-FR" sz="1100" dirty="0">
+              <a:rPr lang="fr-FR" sz="1000" dirty="0">
                 <a:highlight>
                   <a:srgbClr val="FFFF00"/>
                 </a:highlight>
@@ -12239,11 +12135,25 @@
           </a:p>
           <a:p>
             <a:r>
-              <a:rPr lang="fr-FR" sz="1100" dirty="0"/>
+              <a:rPr lang="fr-FR" sz="1000" dirty="0"/>
               <a:t>Cas limite – </a:t>
             </a:r>
             <a:r>
-              <a:rPr lang="fr-FR" sz="1100" dirty="0">
+              <a:rPr lang="fr-FR" sz="1000" dirty="0">
+                <a:highlight>
+                  <a:srgbClr val="FF0000"/>
+                </a:highlight>
+              </a:rPr>
+              <a:t>requis</a:t>
+            </a:r>
+          </a:p>
+          <a:p>
+            <a:r>
+              <a:rPr lang="fr-FR" sz="1000" dirty="0"/>
+              <a:t>Cas ultime – </a:t>
+            </a:r>
+            <a:r>
+              <a:rPr lang="fr-FR" sz="1000" dirty="0">
                 <a:highlight>
                   <a:srgbClr val="FFFF00"/>
                 </a:highlight>
@@ -12252,18 +12162,11 @@
             </a:r>
           </a:p>
           <a:p>
-            <a:r>
-              <a:rPr lang="fr-FR" sz="1100" dirty="0"/>
-              <a:t>Cas ultime – </a:t>
-            </a:r>
-            <a:r>
-              <a:rPr lang="fr-FR" sz="1100" dirty="0">
-                <a:highlight>
-                  <a:srgbClr val="FF0000"/>
-                </a:highlight>
-              </a:rPr>
-              <a:t>requis</a:t>
-            </a:r>
+            <a:endParaRPr lang="fr-FR" sz="1100" dirty="0">
+              <a:highlight>
+                <a:srgbClr val="FF0000"/>
+              </a:highlight>
+            </a:endParaRPr>
           </a:p>
         </p:txBody>
       </p:sp>
@@ -12281,8 +12184,8 @@
         </p:nvSpPr>
         <p:spPr>
           <a:xfrm>
-            <a:off x="6735028" y="590548"/>
-            <a:ext cx="5456972" cy="2838452"/>
+            <a:off x="5211028" y="590548"/>
+            <a:ext cx="3932972" cy="2838452"/>
           </a:xfrm>
           <a:prstGeom prst="rect">
             <a:avLst/>
@@ -12315,7 +12218,7 @@
           <a:lstStyle/>
           <a:p>
             <a:r>
-              <a:rPr lang="fr-FR" b="1" dirty="0">
+              <a:rPr lang="fr-FR" sz="1200" b="1" dirty="0">
                 <a:solidFill>
                   <a:schemeClr val="tx1"/>
                 </a:solidFill>
@@ -12325,7 +12228,7 @@
           </a:p>
           <a:p>
             <a:r>
-              <a:rPr lang="fr-FR" sz="1100" dirty="0">
+              <a:rPr lang="fr-FR" sz="1000" dirty="0">
                 <a:solidFill>
                   <a:schemeClr val="tx1"/>
                 </a:solidFill>
@@ -12333,7 +12236,7 @@
               <a:t>Nature de modélisation (modèle 1D, modèle </a:t>
             </a:r>
             <a:r>
-              <a:rPr lang="fr-FR" sz="1100" dirty="0" err="1">
+              <a:rPr lang="fr-FR" sz="1000" dirty="0" err="1">
                 <a:solidFill>
                   <a:schemeClr val="tx1"/>
                 </a:solidFill>
@@ -12341,7 +12244,7 @@
               <a:t>MatLab</a:t>
             </a:r>
             <a:r>
-              <a:rPr lang="fr-FR" sz="1100" dirty="0">
+              <a:rPr lang="fr-FR" sz="1000" dirty="0">
                 <a:solidFill>
                   <a:schemeClr val="tx1"/>
                 </a:solidFill>
@@ -12350,7 +12253,7 @@
             </a:r>
           </a:p>
           <a:p>
-            <a:endParaRPr lang="fr-FR" sz="1100" dirty="0">
+            <a:endParaRPr lang="fr-FR" sz="1000" dirty="0">
               <a:solidFill>
                 <a:schemeClr val="tx1"/>
               </a:solidFill>
@@ -12358,7 +12261,7 @@
           </a:p>
           <a:p>
             <a:r>
-              <a:rPr lang="fr-FR" sz="1100" dirty="0">
+              <a:rPr lang="fr-FR" sz="1000" dirty="0">
                 <a:solidFill>
                   <a:schemeClr val="tx1"/>
                 </a:solidFill>
@@ -12368,7 +12271,7 @@
           </a:p>
           <a:p>
             <a:r>
-              <a:rPr lang="fr-FR" sz="1100" dirty="0">
+              <a:rPr lang="fr-FR" sz="1000" dirty="0">
                 <a:solidFill>
                   <a:schemeClr val="tx1"/>
                 </a:solidFill>
@@ -12377,7 +12280,7 @@
             </a:r>
           </a:p>
           <a:p>
-            <a:endParaRPr lang="fr-FR" sz="1100" dirty="0">
+            <a:endParaRPr lang="fr-FR" sz="1000" dirty="0">
               <a:solidFill>
                 <a:schemeClr val="tx1"/>
               </a:solidFill>
@@ -12385,7 +12288,7 @@
           </a:p>
           <a:p>
             <a:r>
-              <a:rPr lang="fr-FR" sz="1100" dirty="0">
+              <a:rPr lang="fr-FR" sz="1000" dirty="0">
                 <a:solidFill>
                   <a:schemeClr val="tx1"/>
                 </a:solidFill>
@@ -12395,14 +12298,14 @@
           </a:p>
           <a:p>
             <a:r>
-              <a:rPr lang="fr-FR" sz="1100" dirty="0">
+              <a:rPr lang="fr-FR" sz="1000" dirty="0">
                 <a:solidFill>
                   <a:schemeClr val="tx1"/>
                 </a:solidFill>
               </a:rPr>
               <a:t>Post traitement réalisés</a:t>
             </a:r>
-            <a:endParaRPr lang="fr-FR" dirty="0"/>
+            <a:endParaRPr lang="fr-FR" sz="1000" dirty="0"/>
           </a:p>
         </p:txBody>
       </p:sp>
@@ -12420,7 +12323,7 @@
         </p:nvSpPr>
         <p:spPr>
           <a:xfrm>
-            <a:off x="10972799" y="95219"/>
+            <a:off x="7924799" y="91337"/>
             <a:ext cx="609600" cy="400110"/>
           </a:xfrm>
           <a:prstGeom prst="rect">
@@ -12459,7 +12362,7 @@
         </p:nvSpPr>
         <p:spPr>
           <a:xfrm>
-            <a:off x="11582400" y="0"/>
+            <a:off x="8534400" y="-3881"/>
             <a:ext cx="609600" cy="590549"/>
           </a:xfrm>
           <a:prstGeom prst="rect">
@@ -12518,8 +12421,8 @@
         </p:nvSpPr>
         <p:spPr>
           <a:xfrm>
-            <a:off x="6735028" y="3429000"/>
-            <a:ext cx="5456972" cy="3429000"/>
+            <a:off x="5211028" y="3429000"/>
+            <a:ext cx="3932972" cy="3429000"/>
           </a:xfrm>
           <a:prstGeom prst="rect">
             <a:avLst/>
@@ -12552,7 +12455,7 @@
           <a:lstStyle/>
           <a:p>
             <a:r>
-              <a:rPr lang="fr-FR" b="1" dirty="0">
+              <a:rPr lang="fr-FR" sz="1200" b="1" dirty="0">
                 <a:solidFill>
                   <a:schemeClr val="tx1"/>
                 </a:solidFill>
@@ -12562,7 +12465,7 @@
           </a:p>
           <a:p>
             <a:r>
-              <a:rPr lang="fr-FR" sz="1100" dirty="0">
+              <a:rPr lang="fr-FR" sz="1000" dirty="0">
                 <a:solidFill>
                   <a:schemeClr val="tx1"/>
                 </a:solidFill>
@@ -12570,7 +12473,7 @@
               <a:t>Architecture générale du véhicule (motorisation, refroidissement…) – </a:t>
             </a:r>
             <a:r>
-              <a:rPr lang="fr-FR" sz="1100" dirty="0">
+              <a:rPr lang="fr-FR" sz="1000" dirty="0">
                 <a:solidFill>
                   <a:schemeClr val="tx1"/>
                 </a:solidFill>
@@ -12582,7 +12485,7 @@
             </a:r>
           </a:p>
           <a:p>
-            <a:endParaRPr lang="fr-FR" sz="1100" dirty="0">
+            <a:endParaRPr lang="fr-FR" sz="1000" dirty="0">
               <a:solidFill>
                 <a:schemeClr val="tx1"/>
               </a:solidFill>
@@ -12590,7 +12493,7 @@
           </a:p>
           <a:p>
             <a:r>
-              <a:rPr lang="fr-FR" sz="1100" dirty="0">
+              <a:rPr lang="fr-FR" sz="1000" dirty="0">
                 <a:solidFill>
                   <a:schemeClr val="tx1"/>
                 </a:solidFill>
@@ -12600,7 +12503,7 @@
           </a:p>
           <a:p>
             <a:r>
-              <a:rPr lang="fr-FR" sz="1100" dirty="0">
+              <a:rPr lang="fr-FR" sz="1000" dirty="0">
                 <a:solidFill>
                   <a:schemeClr val="tx1"/>
                 </a:solidFill>
@@ -12609,7 +12512,7 @@
             </a:r>
           </a:p>
           <a:p>
-            <a:endParaRPr lang="fr-FR" sz="1100" dirty="0">
+            <a:endParaRPr lang="fr-FR" sz="1000" dirty="0">
               <a:solidFill>
                 <a:schemeClr val="tx1"/>
               </a:solidFill>
@@ -12617,7 +12520,7 @@
           </a:p>
           <a:p>
             <a:r>
-              <a:rPr lang="fr-FR" sz="1100" dirty="0">
+              <a:rPr lang="fr-FR" sz="1000" dirty="0">
                 <a:solidFill>
                   <a:schemeClr val="tx1"/>
                 </a:solidFill>
@@ -12627,7 +12530,7 @@
           </a:p>
           <a:p>
             <a:r>
-              <a:rPr lang="fr-FR" sz="1100" dirty="0">
+              <a:rPr lang="fr-FR" sz="1000" dirty="0">
                 <a:solidFill>
                   <a:schemeClr val="tx1"/>
                 </a:solidFill>
@@ -12637,7 +12540,7 @@
           </a:p>
           <a:p>
             <a:r>
-              <a:rPr lang="fr-FR" sz="1100" dirty="0">
+              <a:rPr lang="fr-FR" sz="1000" dirty="0">
                 <a:solidFill>
                   <a:schemeClr val="tx1"/>
                 </a:solidFill>
@@ -12645,7 +12548,7 @@
               <a:t>Procédé de réalisation et matériau – </a:t>
             </a:r>
             <a:r>
-              <a:rPr lang="fr-FR" sz="1100" dirty="0">
+              <a:rPr lang="fr-FR" sz="1000" dirty="0">
                 <a:solidFill>
                   <a:schemeClr val="tx1"/>
                 </a:solidFill>
@@ -12673,14 +12576,14 @@
           <p:nvPr>
             <p:extLst>
               <p:ext uri="{D42A27DB-BD31-4B8C-83A1-F6EECF244321}">
-                <p14:modId xmlns:p14="http://schemas.microsoft.com/office/powerpoint/2010/main" val="3425712663"/>
+                <p14:modId xmlns:p14="http://schemas.microsoft.com/office/powerpoint/2010/main" val="1732816376"/>
               </p:ext>
             </p:extLst>
           </p:nvPr>
         </p:nvGraphicFramePr>
         <p:xfrm>
           <a:off x="0" y="2610948"/>
-          <a:ext cx="6735025" cy="4251960"/>
+          <a:ext cx="5211025" cy="3800622"/>
         </p:xfrm>
         <a:graphic>
           <a:graphicData uri="http://schemas.openxmlformats.org/drawingml/2006/table">
@@ -12689,42 +12592,42 @@
                 <a:tableStyleId>{F5AB1C69-6EDB-4FF4-983F-18BD219EF322}</a:tableStyleId>
               </a:tblPr>
               <a:tblGrid>
-                <a:gridCol w="1838324">
+                <a:gridCol w="1179261">
                   <a:extLst>
                     <a:ext uri="{9D8B030D-6E8A-4147-A177-3AD203B41FA5}">
                       <a16:colId xmlns:a16="http://schemas.microsoft.com/office/drawing/2014/main" val="760141375"/>
                     </a:ext>
                   </a:extLst>
                 </a:gridCol>
-                <a:gridCol w="1781175">
+                <a:gridCol w="1343222">
                   <a:extLst>
                     <a:ext uri="{9D8B030D-6E8A-4147-A177-3AD203B41FA5}">
                       <a16:colId xmlns:a16="http://schemas.microsoft.com/office/drawing/2014/main" val="2928593433"/>
                     </a:ext>
                   </a:extLst>
                 </a:gridCol>
-                <a:gridCol w="704850">
+                <a:gridCol w="586477">
                   <a:extLst>
                     <a:ext uri="{9D8B030D-6E8A-4147-A177-3AD203B41FA5}">
                       <a16:colId xmlns:a16="http://schemas.microsoft.com/office/drawing/2014/main" val="3573001238"/>
                     </a:ext>
                   </a:extLst>
                 </a:gridCol>
-                <a:gridCol w="704850">
+                <a:gridCol w="605396">
                   <a:extLst>
                     <a:ext uri="{9D8B030D-6E8A-4147-A177-3AD203B41FA5}">
                       <a16:colId xmlns:a16="http://schemas.microsoft.com/office/drawing/2014/main" val="3799279384"/>
                     </a:ext>
                   </a:extLst>
                 </a:gridCol>
-                <a:gridCol w="838200">
+                <a:gridCol w="725214">
                   <a:extLst>
                     <a:ext uri="{9D8B030D-6E8A-4147-A177-3AD203B41FA5}">
                       <a16:colId xmlns:a16="http://schemas.microsoft.com/office/drawing/2014/main" val="3184889642"/>
                     </a:ext>
                   </a:extLst>
                 </a:gridCol>
-                <a:gridCol w="867626">
+                <a:gridCol w="771455">
                   <a:extLst>
                     <a:ext uri="{9D8B030D-6E8A-4147-A177-3AD203B41FA5}">
                       <a16:colId xmlns:a16="http://schemas.microsoft.com/office/drawing/2014/main" val="259470256"/>
@@ -12732,14 +12635,14 @@
                   </a:extLst>
                 </a:gridCol>
               </a:tblGrid>
-              <a:tr h="226382">
+              <a:tr h="456854">
                 <a:tc>
                   <a:txBody>
                     <a:bodyPr/>
                     <a:lstStyle/>
                     <a:p>
                       <a:r>
-                        <a:rPr lang="fr-FR" sz="1200" b="0" dirty="0"/>
+                        <a:rPr lang="fr-FR" sz="1000" b="0" dirty="0"/>
                         <a:t>Fonction primaire</a:t>
                       </a:r>
                     </a:p>
@@ -12789,7 +12692,7 @@
                     <a:lstStyle/>
                     <a:p>
                       <a:r>
-                        <a:rPr lang="fr-FR" sz="1200" b="0" dirty="0"/>
+                        <a:rPr lang="fr-FR" sz="1000" b="0" dirty="0"/>
                         <a:t>Fonction secondaire</a:t>
                       </a:r>
                     </a:p>
@@ -12839,7 +12742,7 @@
                     <a:lstStyle/>
                     <a:p>
                       <a:r>
-                        <a:rPr lang="fr-FR" sz="1200" b="0" dirty="0"/>
+                        <a:rPr lang="fr-FR" sz="1000" b="0" dirty="0"/>
                         <a:t>Critère</a:t>
                       </a:r>
                     </a:p>
@@ -12889,7 +12792,7 @@
                     <a:lstStyle/>
                     <a:p>
                       <a:r>
-                        <a:rPr lang="fr-FR" sz="1200" b="0" dirty="0"/>
+                        <a:rPr lang="fr-FR" sz="1000" b="0" dirty="0"/>
                         <a:t>Niveau</a:t>
                       </a:r>
                     </a:p>
@@ -12939,7 +12842,7 @@
                     <a:lstStyle/>
                     <a:p>
                       <a:r>
-                        <a:rPr lang="fr-FR" sz="1200" b="0" dirty="0"/>
+                        <a:rPr lang="fr-FR" sz="1000" b="0" dirty="0"/>
                         <a:t>Flexibilité</a:t>
                       </a:r>
                     </a:p>
@@ -12989,7 +12892,7 @@
                     <a:lstStyle/>
                     <a:p>
                       <a:r>
-                        <a:rPr lang="fr-FR" sz="1200" b="0" dirty="0"/>
+                        <a:rPr lang="fr-FR" sz="1000" b="0" dirty="0"/>
                         <a:t>Article règlement</a:t>
                       </a:r>
                     </a:p>
@@ -13039,14 +12942,14 @@
                   </a:ext>
                 </a:extLst>
               </a:tr>
-              <a:tr h="211290">
+              <a:tr h="270728">
                 <a:tc>
                   <a:txBody>
                     <a:bodyPr/>
                     <a:lstStyle/>
                     <a:p>
                       <a:r>
-                        <a:rPr lang="fr-FR" sz="1100" dirty="0"/>
+                        <a:rPr lang="fr-FR" sz="900" dirty="0"/>
                         <a:t>FP1 : Respect du règlement</a:t>
                       </a:r>
                     </a:p>
@@ -13096,7 +12999,7 @@
                     <a:lstStyle/>
                     <a:p>
                       <a:r>
-                        <a:rPr lang="fr-FR" sz="1100" dirty="0"/>
+                        <a:rPr lang="fr-FR" sz="900" dirty="0"/>
                         <a:t>FS1.1 :</a:t>
                       </a:r>
                     </a:p>
@@ -13145,7 +13048,7 @@
                     <a:bodyPr/>
                     <a:lstStyle/>
                     <a:p>
-                      <a:endParaRPr lang="fr-FR" sz="1100" dirty="0"/>
+                      <a:endParaRPr lang="fr-FR" sz="900" dirty="0"/>
                     </a:p>
                   </a:txBody>
                   <a:tcPr>
@@ -13192,7 +13095,7 @@
                     <a:bodyPr/>
                     <a:lstStyle/>
                     <a:p>
-                      <a:endParaRPr lang="fr-FR" sz="1100"/>
+                      <a:endParaRPr lang="fr-FR" sz="900"/>
                     </a:p>
                   </a:txBody>
                   <a:tcPr>
@@ -13239,7 +13142,7 @@
                     <a:bodyPr/>
                     <a:lstStyle/>
                     <a:p>
-                      <a:endParaRPr lang="fr-FR" sz="1100"/>
+                      <a:endParaRPr lang="fr-FR" sz="900"/>
                     </a:p>
                   </a:txBody>
                   <a:tcPr>
@@ -13286,7 +13189,7 @@
                     <a:bodyPr/>
                     <a:lstStyle/>
                     <a:p>
-                      <a:endParaRPr lang="fr-FR" sz="1100"/>
+                      <a:endParaRPr lang="fr-FR" sz="900"/>
                     </a:p>
                   </a:txBody>
                   <a:tcPr>
@@ -13334,13 +13237,13 @@
                   </a:ext>
                 </a:extLst>
               </a:tr>
-              <a:tr h="128283">
+              <a:tr h="270728">
                 <a:tc>
                   <a:txBody>
                     <a:bodyPr/>
                     <a:lstStyle/>
                     <a:p>
-                      <a:endParaRPr lang="fr-FR" sz="1100"/>
+                      <a:endParaRPr lang="fr-FR" sz="900"/>
                     </a:p>
                   </a:txBody>
                   <a:tcPr>
@@ -13388,7 +13291,7 @@
                     <a:lstStyle/>
                     <a:p>
                       <a:r>
-                        <a:rPr lang="fr-FR" sz="1100" dirty="0"/>
+                        <a:rPr lang="fr-FR" sz="900" dirty="0"/>
                         <a:t>FS1.2 :</a:t>
                       </a:r>
                     </a:p>
@@ -13437,7 +13340,7 @@
                     <a:bodyPr/>
                     <a:lstStyle/>
                     <a:p>
-                      <a:endParaRPr lang="fr-FR" sz="1100"/>
+                      <a:endParaRPr lang="fr-FR" sz="900"/>
                     </a:p>
                   </a:txBody>
                   <a:tcPr>
@@ -13484,7 +13387,7 @@
                     <a:bodyPr/>
                     <a:lstStyle/>
                     <a:p>
-                      <a:endParaRPr lang="fr-FR" sz="1100"/>
+                      <a:endParaRPr lang="fr-FR" sz="900"/>
                     </a:p>
                   </a:txBody>
                   <a:tcPr>
@@ -13531,7 +13434,7 @@
                     <a:bodyPr/>
                     <a:lstStyle/>
                     <a:p>
-                      <a:endParaRPr lang="fr-FR" sz="1100"/>
+                      <a:endParaRPr lang="fr-FR" sz="900"/>
                     </a:p>
                   </a:txBody>
                   <a:tcPr>
@@ -13578,7 +13481,7 @@
                     <a:bodyPr/>
                     <a:lstStyle/>
                     <a:p>
-                      <a:endParaRPr lang="fr-FR" sz="1100"/>
+                      <a:endParaRPr lang="fr-FR" sz="900"/>
                     </a:p>
                   </a:txBody>
                   <a:tcPr>
@@ -13626,14 +13529,14 @@
                   </a:ext>
                 </a:extLst>
               </a:tr>
-              <a:tr h="128283">
+              <a:tr h="270728">
                 <a:tc>
                   <a:txBody>
                     <a:bodyPr/>
                     <a:lstStyle/>
                     <a:p>
                       <a:r>
-                        <a:rPr lang="fr-FR" sz="1100" dirty="0"/>
+                        <a:rPr lang="fr-FR" sz="900" dirty="0"/>
                         <a:t>FP2 :</a:t>
                       </a:r>
                     </a:p>
@@ -13683,7 +13586,7 @@
                     <a:lstStyle/>
                     <a:p>
                       <a:r>
-                        <a:rPr lang="fr-FR" sz="1100" dirty="0"/>
+                        <a:rPr lang="fr-FR" sz="900" dirty="0"/>
                         <a:t>FS2.1 :</a:t>
                       </a:r>
                     </a:p>
@@ -13732,7 +13635,7 @@
                     <a:bodyPr/>
                     <a:lstStyle/>
                     <a:p>
-                      <a:endParaRPr lang="fr-FR" sz="1100"/>
+                      <a:endParaRPr lang="fr-FR" sz="900"/>
                     </a:p>
                   </a:txBody>
                   <a:tcPr>
@@ -13779,7 +13682,7 @@
                     <a:bodyPr/>
                     <a:lstStyle/>
                     <a:p>
-                      <a:endParaRPr lang="fr-FR" sz="1100"/>
+                      <a:endParaRPr lang="fr-FR" sz="900"/>
                     </a:p>
                   </a:txBody>
                   <a:tcPr>
@@ -13826,7 +13729,7 @@
                     <a:bodyPr/>
                     <a:lstStyle/>
                     <a:p>
-                      <a:endParaRPr lang="fr-FR" sz="1100"/>
+                      <a:endParaRPr lang="fr-FR" sz="900"/>
                     </a:p>
                   </a:txBody>
                   <a:tcPr>
@@ -13873,7 +13776,7 @@
                     <a:bodyPr/>
                     <a:lstStyle/>
                     <a:p>
-                      <a:endParaRPr lang="fr-FR" sz="1100"/>
+                      <a:endParaRPr lang="fr-FR" sz="900"/>
                     </a:p>
                   </a:txBody>
                   <a:tcPr>
@@ -13921,13 +13824,13 @@
                   </a:ext>
                 </a:extLst>
               </a:tr>
-              <a:tr h="128283">
+              <a:tr h="270728">
                 <a:tc>
                   <a:txBody>
                     <a:bodyPr/>
                     <a:lstStyle/>
                     <a:p>
-                      <a:endParaRPr lang="fr-FR" sz="1100" dirty="0"/>
+                      <a:endParaRPr lang="fr-FR" sz="900" dirty="0"/>
                     </a:p>
                   </a:txBody>
                   <a:tcPr>
@@ -13975,7 +13878,7 @@
                     <a:lstStyle/>
                     <a:p>
                       <a:r>
-                        <a:rPr lang="fr-FR" sz="1100" dirty="0"/>
+                        <a:rPr lang="fr-FR" sz="900" dirty="0"/>
                         <a:t>FS2.1 :</a:t>
                       </a:r>
                     </a:p>
@@ -14024,7 +13927,7 @@
                     <a:bodyPr/>
                     <a:lstStyle/>
                     <a:p>
-                      <a:endParaRPr lang="fr-FR" sz="1100"/>
+                      <a:endParaRPr lang="fr-FR" sz="900"/>
                     </a:p>
                   </a:txBody>
                   <a:tcPr>
@@ -14071,7 +13974,7 @@
                     <a:bodyPr/>
                     <a:lstStyle/>
                     <a:p>
-                      <a:endParaRPr lang="fr-FR" sz="1100"/>
+                      <a:endParaRPr lang="fr-FR" sz="900"/>
                     </a:p>
                   </a:txBody>
                   <a:tcPr>
@@ -14118,7 +14021,7 @@
                     <a:bodyPr/>
                     <a:lstStyle/>
                     <a:p>
-                      <a:endParaRPr lang="fr-FR" sz="1100"/>
+                      <a:endParaRPr lang="fr-FR" sz="900"/>
                     </a:p>
                   </a:txBody>
                   <a:tcPr>
@@ -14165,7 +14068,7 @@
                     <a:bodyPr/>
                     <a:lstStyle/>
                     <a:p>
-                      <a:endParaRPr lang="fr-FR" sz="1100"/>
+                      <a:endParaRPr lang="fr-FR" sz="900"/>
                     </a:p>
                   </a:txBody>
                   <a:tcPr>
@@ -14213,14 +14116,14 @@
                   </a:ext>
                 </a:extLst>
               </a:tr>
-              <a:tr h="128283">
+              <a:tr h="270728">
                 <a:tc>
                   <a:txBody>
                     <a:bodyPr/>
                     <a:lstStyle/>
                     <a:p>
                       <a:r>
-                        <a:rPr lang="fr-FR" sz="1100" dirty="0"/>
+                        <a:rPr lang="fr-FR" sz="900" dirty="0"/>
                         <a:t>FP3 :</a:t>
                       </a:r>
                     </a:p>
@@ -14269,7 +14172,7 @@
                     <a:bodyPr/>
                     <a:lstStyle/>
                     <a:p>
-                      <a:endParaRPr lang="fr-FR" sz="1100" dirty="0"/>
+                      <a:endParaRPr lang="fr-FR" sz="900" dirty="0"/>
                     </a:p>
                   </a:txBody>
                   <a:tcPr>
@@ -14316,7 +14219,7 @@
                     <a:bodyPr/>
                     <a:lstStyle/>
                     <a:p>
-                      <a:endParaRPr lang="fr-FR" sz="1100" dirty="0"/>
+                      <a:endParaRPr lang="fr-FR" sz="900" dirty="0"/>
                     </a:p>
                   </a:txBody>
                   <a:tcPr>
@@ -14363,7 +14266,7 @@
                     <a:bodyPr/>
                     <a:lstStyle/>
                     <a:p>
-                      <a:endParaRPr lang="fr-FR" sz="1100"/>
+                      <a:endParaRPr lang="fr-FR" sz="900"/>
                     </a:p>
                   </a:txBody>
                   <a:tcPr>
@@ -14410,7 +14313,7 @@
                     <a:bodyPr/>
                     <a:lstStyle/>
                     <a:p>
-                      <a:endParaRPr lang="fr-FR" sz="1100"/>
+                      <a:endParaRPr lang="fr-FR" sz="900"/>
                     </a:p>
                   </a:txBody>
                   <a:tcPr>
@@ -14457,7 +14360,7 @@
                     <a:bodyPr/>
                     <a:lstStyle/>
                     <a:p>
-                      <a:endParaRPr lang="fr-FR" sz="1100"/>
+                      <a:endParaRPr lang="fr-FR" sz="900"/>
                     </a:p>
                   </a:txBody>
                   <a:tcPr>
@@ -14505,14 +14408,14 @@
                   </a:ext>
                 </a:extLst>
               </a:tr>
-              <a:tr h="128283">
+              <a:tr h="270728">
                 <a:tc>
                   <a:txBody>
                     <a:bodyPr/>
                     <a:lstStyle/>
                     <a:p>
                       <a:r>
-                        <a:rPr lang="fr-FR" sz="1100" dirty="0"/>
+                        <a:rPr lang="fr-FR" sz="900" dirty="0"/>
                         <a:t>FP4 :</a:t>
                       </a:r>
                     </a:p>
@@ -14561,7 +14464,7 @@
                     <a:bodyPr/>
                     <a:lstStyle/>
                     <a:p>
-                      <a:endParaRPr lang="fr-FR" sz="1100" dirty="0"/>
+                      <a:endParaRPr lang="fr-FR" sz="900" dirty="0"/>
                     </a:p>
                   </a:txBody>
                   <a:tcPr>
@@ -14608,7 +14511,7 @@
                     <a:bodyPr/>
                     <a:lstStyle/>
                     <a:p>
-                      <a:endParaRPr lang="fr-FR" sz="1100" dirty="0"/>
+                      <a:endParaRPr lang="fr-FR" sz="900" dirty="0"/>
                     </a:p>
                   </a:txBody>
                   <a:tcPr>
@@ -14655,7 +14558,7 @@
                     <a:bodyPr/>
                     <a:lstStyle/>
                     <a:p>
-                      <a:endParaRPr lang="fr-FR" sz="1100"/>
+                      <a:endParaRPr lang="fr-FR" sz="900"/>
                     </a:p>
                   </a:txBody>
                   <a:tcPr>
@@ -14702,7 +14605,7 @@
                     <a:bodyPr/>
                     <a:lstStyle/>
                     <a:p>
-                      <a:endParaRPr lang="fr-FR" sz="1100"/>
+                      <a:endParaRPr lang="fr-FR" sz="900"/>
                     </a:p>
                   </a:txBody>
                   <a:tcPr>
@@ -14749,7 +14652,7 @@
                     <a:bodyPr/>
                     <a:lstStyle/>
                     <a:p>
-                      <a:endParaRPr lang="fr-FR" sz="1100"/>
+                      <a:endParaRPr lang="fr-FR" sz="900"/>
                     </a:p>
                   </a:txBody>
                   <a:tcPr>
@@ -14797,14 +14700,14 @@
                   </a:ext>
                 </a:extLst>
               </a:tr>
-              <a:tr h="128283">
+              <a:tr h="270728">
                 <a:tc>
                   <a:txBody>
                     <a:bodyPr/>
                     <a:lstStyle/>
                     <a:p>
                       <a:r>
-                        <a:rPr lang="fr-FR" sz="1100" dirty="0"/>
+                        <a:rPr lang="fr-FR" sz="900" dirty="0"/>
                         <a:t>FP5 :</a:t>
                       </a:r>
                     </a:p>
@@ -14853,7 +14756,7 @@
                     <a:bodyPr/>
                     <a:lstStyle/>
                     <a:p>
-                      <a:endParaRPr lang="fr-FR" sz="1100" dirty="0"/>
+                      <a:endParaRPr lang="fr-FR" sz="900" dirty="0"/>
                     </a:p>
                   </a:txBody>
                   <a:tcPr>
@@ -14900,7 +14803,7 @@
                     <a:bodyPr/>
                     <a:lstStyle/>
                     <a:p>
-                      <a:endParaRPr lang="fr-FR" sz="1100" dirty="0"/>
+                      <a:endParaRPr lang="fr-FR" sz="900" dirty="0"/>
                     </a:p>
                   </a:txBody>
                   <a:tcPr>
@@ -14947,7 +14850,7 @@
                     <a:bodyPr/>
                     <a:lstStyle/>
                     <a:p>
-                      <a:endParaRPr lang="fr-FR" sz="1100"/>
+                      <a:endParaRPr lang="fr-FR" sz="900"/>
                     </a:p>
                   </a:txBody>
                   <a:tcPr>
@@ -14994,7 +14897,7 @@
                     <a:bodyPr/>
                     <a:lstStyle/>
                     <a:p>
-                      <a:endParaRPr lang="fr-FR" sz="1100"/>
+                      <a:endParaRPr lang="fr-FR" sz="900"/>
                     </a:p>
                   </a:txBody>
                   <a:tcPr>
@@ -15041,7 +14944,7 @@
                     <a:bodyPr/>
                     <a:lstStyle/>
                     <a:p>
-                      <a:endParaRPr lang="fr-FR" sz="1100" dirty="0"/>
+                      <a:endParaRPr lang="fr-FR" sz="900" dirty="0"/>
                     </a:p>
                   </a:txBody>
                   <a:tcPr>
@@ -15089,592 +14992,14 @@
                   </a:ext>
                 </a:extLst>
               </a:tr>
-              <a:tr h="128283">
-                <a:tc>
-                  <a:txBody>
-                    <a:bodyPr/>
-                    <a:lstStyle/>
-                    <a:p>
-                      <a:endParaRPr lang="fr-FR" sz="1100" dirty="0"/>
-                    </a:p>
-                  </a:txBody>
-                  <a:tcPr>
-                    <a:lnL w="12700" cap="flat" cmpd="sng" algn="ctr">
-                      <a:solidFill>
-                        <a:schemeClr val="tx1"/>
-                      </a:solidFill>
-                      <a:prstDash val="solid"/>
-                      <a:round/>
-                      <a:headEnd type="none" w="med" len="med"/>
-                      <a:tailEnd type="none" w="med" len="med"/>
-                    </a:lnL>
-                    <a:lnR w="12700" cap="flat" cmpd="sng" algn="ctr">
-                      <a:solidFill>
-                        <a:schemeClr val="tx1"/>
-                      </a:solidFill>
-                      <a:prstDash val="solid"/>
-                      <a:round/>
-                      <a:headEnd type="none" w="med" len="med"/>
-                      <a:tailEnd type="none" w="med" len="med"/>
-                    </a:lnR>
-                    <a:lnT w="12700" cap="flat" cmpd="sng" algn="ctr">
-                      <a:solidFill>
-                        <a:schemeClr val="tx1"/>
-                      </a:solidFill>
-                      <a:prstDash val="solid"/>
-                      <a:round/>
-                      <a:headEnd type="none" w="med" len="med"/>
-                      <a:tailEnd type="none" w="med" len="med"/>
-                    </a:lnT>
-                    <a:lnB w="12700" cap="flat" cmpd="sng" algn="ctr">
-                      <a:solidFill>
-                        <a:schemeClr val="tx1"/>
-                      </a:solidFill>
-                      <a:prstDash val="solid"/>
-                      <a:round/>
-                      <a:headEnd type="none" w="med" len="med"/>
-                      <a:tailEnd type="none" w="med" len="med"/>
-                    </a:lnB>
-                  </a:tcPr>
-                </a:tc>
-                <a:tc>
-                  <a:txBody>
-                    <a:bodyPr/>
-                    <a:lstStyle/>
-                    <a:p>
-                      <a:endParaRPr lang="fr-FR" sz="1100"/>
-                    </a:p>
-                  </a:txBody>
-                  <a:tcPr>
-                    <a:lnL w="12700" cap="flat" cmpd="sng" algn="ctr">
-                      <a:solidFill>
-                        <a:schemeClr val="tx1"/>
-                      </a:solidFill>
-                      <a:prstDash val="solid"/>
-                      <a:round/>
-                      <a:headEnd type="none" w="med" len="med"/>
-                      <a:tailEnd type="none" w="med" len="med"/>
-                    </a:lnL>
-                    <a:lnR w="12700" cap="flat" cmpd="sng" algn="ctr">
-                      <a:solidFill>
-                        <a:schemeClr val="tx1"/>
-                      </a:solidFill>
-                      <a:prstDash val="solid"/>
-                      <a:round/>
-                      <a:headEnd type="none" w="med" len="med"/>
-                      <a:tailEnd type="none" w="med" len="med"/>
-                    </a:lnR>
-                    <a:lnT w="12700" cap="flat" cmpd="sng" algn="ctr">
-                      <a:solidFill>
-                        <a:schemeClr val="tx1"/>
-                      </a:solidFill>
-                      <a:prstDash val="solid"/>
-                      <a:round/>
-                      <a:headEnd type="none" w="med" len="med"/>
-                      <a:tailEnd type="none" w="med" len="med"/>
-                    </a:lnT>
-                    <a:lnB w="12700" cap="flat" cmpd="sng" algn="ctr">
-                      <a:solidFill>
-                        <a:schemeClr val="tx1"/>
-                      </a:solidFill>
-                      <a:prstDash val="solid"/>
-                      <a:round/>
-                      <a:headEnd type="none" w="med" len="med"/>
-                      <a:tailEnd type="none" w="med" len="med"/>
-                    </a:lnB>
-                  </a:tcPr>
-                </a:tc>
-                <a:tc>
-                  <a:txBody>
-                    <a:bodyPr/>
-                    <a:lstStyle/>
-                    <a:p>
-                      <a:endParaRPr lang="fr-FR" sz="1100" dirty="0"/>
-                    </a:p>
-                  </a:txBody>
-                  <a:tcPr>
-                    <a:lnL w="12700" cap="flat" cmpd="sng" algn="ctr">
-                      <a:solidFill>
-                        <a:schemeClr val="tx1"/>
-                      </a:solidFill>
-                      <a:prstDash val="solid"/>
-                      <a:round/>
-                      <a:headEnd type="none" w="med" len="med"/>
-                      <a:tailEnd type="none" w="med" len="med"/>
-                    </a:lnL>
-                    <a:lnR w="12700" cap="flat" cmpd="sng" algn="ctr">
-                      <a:solidFill>
-                        <a:schemeClr val="tx1"/>
-                      </a:solidFill>
-                      <a:prstDash val="solid"/>
-                      <a:round/>
-                      <a:headEnd type="none" w="med" len="med"/>
-                      <a:tailEnd type="none" w="med" len="med"/>
-                    </a:lnR>
-                    <a:lnT w="12700" cap="flat" cmpd="sng" algn="ctr">
-                      <a:solidFill>
-                        <a:schemeClr val="tx1"/>
-                      </a:solidFill>
-                      <a:prstDash val="solid"/>
-                      <a:round/>
-                      <a:headEnd type="none" w="med" len="med"/>
-                      <a:tailEnd type="none" w="med" len="med"/>
-                    </a:lnT>
-                    <a:lnB w="12700" cap="flat" cmpd="sng" algn="ctr">
-                      <a:solidFill>
-                        <a:schemeClr val="tx1"/>
-                      </a:solidFill>
-                      <a:prstDash val="solid"/>
-                      <a:round/>
-                      <a:headEnd type="none" w="med" len="med"/>
-                      <a:tailEnd type="none" w="med" len="med"/>
-                    </a:lnB>
-                  </a:tcPr>
-                </a:tc>
-                <a:tc>
-                  <a:txBody>
-                    <a:bodyPr/>
-                    <a:lstStyle/>
-                    <a:p>
-                      <a:endParaRPr lang="fr-FR" sz="1100"/>
-                    </a:p>
-                  </a:txBody>
-                  <a:tcPr>
-                    <a:lnL w="12700" cap="flat" cmpd="sng" algn="ctr">
-                      <a:solidFill>
-                        <a:schemeClr val="tx1"/>
-                      </a:solidFill>
-                      <a:prstDash val="solid"/>
-                      <a:round/>
-                      <a:headEnd type="none" w="med" len="med"/>
-                      <a:tailEnd type="none" w="med" len="med"/>
-                    </a:lnL>
-                    <a:lnR w="12700" cap="flat" cmpd="sng" algn="ctr">
-                      <a:solidFill>
-                        <a:schemeClr val="tx1"/>
-                      </a:solidFill>
-                      <a:prstDash val="solid"/>
-                      <a:round/>
-                      <a:headEnd type="none" w="med" len="med"/>
-                      <a:tailEnd type="none" w="med" len="med"/>
-                    </a:lnR>
-                    <a:lnT w="12700" cap="flat" cmpd="sng" algn="ctr">
-                      <a:solidFill>
-                        <a:schemeClr val="tx1"/>
-                      </a:solidFill>
-                      <a:prstDash val="solid"/>
-                      <a:round/>
-                      <a:headEnd type="none" w="med" len="med"/>
-                      <a:tailEnd type="none" w="med" len="med"/>
-                    </a:lnT>
-                    <a:lnB w="12700" cap="flat" cmpd="sng" algn="ctr">
-                      <a:solidFill>
-                        <a:schemeClr val="tx1"/>
-                      </a:solidFill>
-                      <a:prstDash val="solid"/>
-                      <a:round/>
-                      <a:headEnd type="none" w="med" len="med"/>
-                      <a:tailEnd type="none" w="med" len="med"/>
-                    </a:lnB>
-                  </a:tcPr>
-                </a:tc>
-                <a:tc>
-                  <a:txBody>
-                    <a:bodyPr/>
-                    <a:lstStyle/>
-                    <a:p>
-                      <a:endParaRPr lang="fr-FR" sz="1100"/>
-                    </a:p>
-                  </a:txBody>
-                  <a:tcPr>
-                    <a:lnL w="12700" cap="flat" cmpd="sng" algn="ctr">
-                      <a:solidFill>
-                        <a:schemeClr val="tx1"/>
-                      </a:solidFill>
-                      <a:prstDash val="solid"/>
-                      <a:round/>
-                      <a:headEnd type="none" w="med" len="med"/>
-                      <a:tailEnd type="none" w="med" len="med"/>
-                    </a:lnL>
-                    <a:lnR w="12700" cap="flat" cmpd="sng" algn="ctr">
-                      <a:solidFill>
-                        <a:schemeClr val="tx1"/>
-                      </a:solidFill>
-                      <a:prstDash val="solid"/>
-                      <a:round/>
-                      <a:headEnd type="none" w="med" len="med"/>
-                      <a:tailEnd type="none" w="med" len="med"/>
-                    </a:lnR>
-                    <a:lnT w="12700" cap="flat" cmpd="sng" algn="ctr">
-                      <a:solidFill>
-                        <a:schemeClr val="tx1"/>
-                      </a:solidFill>
-                      <a:prstDash val="solid"/>
-                      <a:round/>
-                      <a:headEnd type="none" w="med" len="med"/>
-                      <a:tailEnd type="none" w="med" len="med"/>
-                    </a:lnT>
-                    <a:lnB w="12700" cap="flat" cmpd="sng" algn="ctr">
-                      <a:solidFill>
-                        <a:schemeClr val="tx1"/>
-                      </a:solidFill>
-                      <a:prstDash val="solid"/>
-                      <a:round/>
-                      <a:headEnd type="none" w="med" len="med"/>
-                      <a:tailEnd type="none" w="med" len="med"/>
-                    </a:lnB>
-                  </a:tcPr>
-                </a:tc>
-                <a:tc>
-                  <a:txBody>
-                    <a:bodyPr/>
-                    <a:lstStyle/>
-                    <a:p>
-                      <a:endParaRPr lang="fr-FR" sz="1100" dirty="0"/>
-                    </a:p>
-                  </a:txBody>
-                  <a:tcPr>
-                    <a:lnL w="12700" cap="flat" cmpd="sng" algn="ctr">
-                      <a:solidFill>
-                        <a:schemeClr val="tx1"/>
-                      </a:solidFill>
-                      <a:prstDash val="solid"/>
-                      <a:round/>
-                      <a:headEnd type="none" w="med" len="med"/>
-                      <a:tailEnd type="none" w="med" len="med"/>
-                    </a:lnL>
-                    <a:lnR w="12700" cap="flat" cmpd="sng" algn="ctr">
-                      <a:solidFill>
-                        <a:schemeClr val="tx1"/>
-                      </a:solidFill>
-                      <a:prstDash val="solid"/>
-                      <a:round/>
-                      <a:headEnd type="none" w="med" len="med"/>
-                      <a:tailEnd type="none" w="med" len="med"/>
-                    </a:lnR>
-                    <a:lnT w="12700" cap="flat" cmpd="sng" algn="ctr">
-                      <a:solidFill>
-                        <a:schemeClr val="tx1"/>
-                      </a:solidFill>
-                      <a:prstDash val="solid"/>
-                      <a:round/>
-                      <a:headEnd type="none" w="med" len="med"/>
-                      <a:tailEnd type="none" w="med" len="med"/>
-                    </a:lnT>
-                    <a:lnB w="12700" cap="flat" cmpd="sng" algn="ctr">
-                      <a:solidFill>
-                        <a:schemeClr val="tx1"/>
-                      </a:solidFill>
-                      <a:prstDash val="solid"/>
-                      <a:round/>
-                      <a:headEnd type="none" w="med" len="med"/>
-                      <a:tailEnd type="none" w="med" len="med"/>
-                    </a:lnB>
-                  </a:tcPr>
-                </a:tc>
-                <a:extLst>
-                  <a:ext uri="{0D108BD9-81ED-4DB2-BD59-A6C34878D82A}">
-                    <a16:rowId xmlns:a16="http://schemas.microsoft.com/office/drawing/2014/main" val="1404199271"/>
-                  </a:ext>
-                </a:extLst>
-              </a:tr>
-              <a:tr h="128283">
-                <a:tc>
-                  <a:txBody>
-                    <a:bodyPr/>
-                    <a:lstStyle/>
-                    <a:p>
-                      <a:endParaRPr lang="fr-FR" sz="1100" dirty="0"/>
-                    </a:p>
-                  </a:txBody>
-                  <a:tcPr>
-                    <a:lnL w="12700" cap="flat" cmpd="sng" algn="ctr">
-                      <a:solidFill>
-                        <a:schemeClr val="tx1"/>
-                      </a:solidFill>
-                      <a:prstDash val="solid"/>
-                      <a:round/>
-                      <a:headEnd type="none" w="med" len="med"/>
-                      <a:tailEnd type="none" w="med" len="med"/>
-                    </a:lnL>
-                    <a:lnR w="12700" cap="flat" cmpd="sng" algn="ctr">
-                      <a:solidFill>
-                        <a:schemeClr val="tx1"/>
-                      </a:solidFill>
-                      <a:prstDash val="solid"/>
-                      <a:round/>
-                      <a:headEnd type="none" w="med" len="med"/>
-                      <a:tailEnd type="none" w="med" len="med"/>
-                    </a:lnR>
-                    <a:lnT w="12700" cap="flat" cmpd="sng" algn="ctr">
-                      <a:solidFill>
-                        <a:schemeClr val="tx1"/>
-                      </a:solidFill>
-                      <a:prstDash val="solid"/>
-                      <a:round/>
-                      <a:headEnd type="none" w="med" len="med"/>
-                      <a:tailEnd type="none" w="med" len="med"/>
-                    </a:lnT>
-                    <a:lnB w="12700" cap="flat" cmpd="sng" algn="ctr">
-                      <a:solidFill>
-                        <a:schemeClr val="tx1"/>
-                      </a:solidFill>
-                      <a:prstDash val="solid"/>
-                      <a:round/>
-                      <a:headEnd type="none" w="med" len="med"/>
-                      <a:tailEnd type="none" w="med" len="med"/>
-                    </a:lnB>
-                  </a:tcPr>
-                </a:tc>
-                <a:tc>
-                  <a:txBody>
-                    <a:bodyPr/>
-                    <a:lstStyle/>
-                    <a:p>
-                      <a:endParaRPr lang="fr-FR" sz="1100"/>
-                    </a:p>
-                  </a:txBody>
-                  <a:tcPr>
-                    <a:lnL w="12700" cap="flat" cmpd="sng" algn="ctr">
-                      <a:solidFill>
-                        <a:schemeClr val="tx1"/>
-                      </a:solidFill>
-                      <a:prstDash val="solid"/>
-                      <a:round/>
-                      <a:headEnd type="none" w="med" len="med"/>
-                      <a:tailEnd type="none" w="med" len="med"/>
-                    </a:lnL>
-                    <a:lnR w="12700" cap="flat" cmpd="sng" algn="ctr">
-                      <a:solidFill>
-                        <a:schemeClr val="tx1"/>
-                      </a:solidFill>
-                      <a:prstDash val="solid"/>
-                      <a:round/>
-                      <a:headEnd type="none" w="med" len="med"/>
-                      <a:tailEnd type="none" w="med" len="med"/>
-                    </a:lnR>
-                    <a:lnT w="12700" cap="flat" cmpd="sng" algn="ctr">
-                      <a:solidFill>
-                        <a:schemeClr val="tx1"/>
-                      </a:solidFill>
-                      <a:prstDash val="solid"/>
-                      <a:round/>
-                      <a:headEnd type="none" w="med" len="med"/>
-                      <a:tailEnd type="none" w="med" len="med"/>
-                    </a:lnT>
-                    <a:lnB w="12700" cap="flat" cmpd="sng" algn="ctr">
-                      <a:solidFill>
-                        <a:schemeClr val="tx1"/>
-                      </a:solidFill>
-                      <a:prstDash val="solid"/>
-                      <a:round/>
-                      <a:headEnd type="none" w="med" len="med"/>
-                      <a:tailEnd type="none" w="med" len="med"/>
-                    </a:lnB>
-                  </a:tcPr>
-                </a:tc>
-                <a:tc>
-                  <a:txBody>
-                    <a:bodyPr/>
-                    <a:lstStyle/>
-                    <a:p>
-                      <a:endParaRPr lang="fr-FR" sz="1100" dirty="0"/>
-                    </a:p>
-                  </a:txBody>
-                  <a:tcPr>
-                    <a:lnL w="12700" cap="flat" cmpd="sng" algn="ctr">
-                      <a:solidFill>
-                        <a:schemeClr val="tx1"/>
-                      </a:solidFill>
-                      <a:prstDash val="solid"/>
-                      <a:round/>
-                      <a:headEnd type="none" w="med" len="med"/>
-                      <a:tailEnd type="none" w="med" len="med"/>
-                    </a:lnL>
-                    <a:lnR w="12700" cap="flat" cmpd="sng" algn="ctr">
-                      <a:solidFill>
-                        <a:schemeClr val="tx1"/>
-                      </a:solidFill>
-                      <a:prstDash val="solid"/>
-                      <a:round/>
-                      <a:headEnd type="none" w="med" len="med"/>
-                      <a:tailEnd type="none" w="med" len="med"/>
-                    </a:lnR>
-                    <a:lnT w="12700" cap="flat" cmpd="sng" algn="ctr">
-                      <a:solidFill>
-                        <a:schemeClr val="tx1"/>
-                      </a:solidFill>
-                      <a:prstDash val="solid"/>
-                      <a:round/>
-                      <a:headEnd type="none" w="med" len="med"/>
-                      <a:tailEnd type="none" w="med" len="med"/>
-                    </a:lnT>
-                    <a:lnB w="12700" cap="flat" cmpd="sng" algn="ctr">
-                      <a:solidFill>
-                        <a:schemeClr val="tx1"/>
-                      </a:solidFill>
-                      <a:prstDash val="solid"/>
-                      <a:round/>
-                      <a:headEnd type="none" w="med" len="med"/>
-                      <a:tailEnd type="none" w="med" len="med"/>
-                    </a:lnB>
-                  </a:tcPr>
-                </a:tc>
-                <a:tc>
-                  <a:txBody>
-                    <a:bodyPr/>
-                    <a:lstStyle/>
-                    <a:p>
-                      <a:endParaRPr lang="fr-FR" sz="1100" dirty="0"/>
-                    </a:p>
-                  </a:txBody>
-                  <a:tcPr>
-                    <a:lnL w="12700" cap="flat" cmpd="sng" algn="ctr">
-                      <a:solidFill>
-                        <a:schemeClr val="tx1"/>
-                      </a:solidFill>
-                      <a:prstDash val="solid"/>
-                      <a:round/>
-                      <a:headEnd type="none" w="med" len="med"/>
-                      <a:tailEnd type="none" w="med" len="med"/>
-                    </a:lnL>
-                    <a:lnR w="12700" cap="flat" cmpd="sng" algn="ctr">
-                      <a:solidFill>
-                        <a:schemeClr val="tx1"/>
-                      </a:solidFill>
-                      <a:prstDash val="solid"/>
-                      <a:round/>
-                      <a:headEnd type="none" w="med" len="med"/>
-                      <a:tailEnd type="none" w="med" len="med"/>
-                    </a:lnR>
-                    <a:lnT w="12700" cap="flat" cmpd="sng" algn="ctr">
-                      <a:solidFill>
-                        <a:schemeClr val="tx1"/>
-                      </a:solidFill>
-                      <a:prstDash val="solid"/>
-                      <a:round/>
-                      <a:headEnd type="none" w="med" len="med"/>
-                      <a:tailEnd type="none" w="med" len="med"/>
-                    </a:lnT>
-                    <a:lnB w="12700" cap="flat" cmpd="sng" algn="ctr">
-                      <a:solidFill>
-                        <a:schemeClr val="tx1"/>
-                      </a:solidFill>
-                      <a:prstDash val="solid"/>
-                      <a:round/>
-                      <a:headEnd type="none" w="med" len="med"/>
-                      <a:tailEnd type="none" w="med" len="med"/>
-                    </a:lnB>
-                  </a:tcPr>
-                </a:tc>
-                <a:tc>
-                  <a:txBody>
-                    <a:bodyPr/>
-                    <a:lstStyle/>
-                    <a:p>
-                      <a:endParaRPr lang="fr-FR" sz="1100"/>
-                    </a:p>
-                  </a:txBody>
-                  <a:tcPr>
-                    <a:lnL w="12700" cap="flat" cmpd="sng" algn="ctr">
-                      <a:solidFill>
-                        <a:schemeClr val="tx1"/>
-                      </a:solidFill>
-                      <a:prstDash val="solid"/>
-                      <a:round/>
-                      <a:headEnd type="none" w="med" len="med"/>
-                      <a:tailEnd type="none" w="med" len="med"/>
-                    </a:lnL>
-                    <a:lnR w="12700" cap="flat" cmpd="sng" algn="ctr">
-                      <a:solidFill>
-                        <a:schemeClr val="tx1"/>
-                      </a:solidFill>
-                      <a:prstDash val="solid"/>
-                      <a:round/>
-                      <a:headEnd type="none" w="med" len="med"/>
-                      <a:tailEnd type="none" w="med" len="med"/>
-                    </a:lnR>
-                    <a:lnT w="12700" cap="flat" cmpd="sng" algn="ctr">
-                      <a:solidFill>
-                        <a:schemeClr val="tx1"/>
-                      </a:solidFill>
-                      <a:prstDash val="solid"/>
-                      <a:round/>
-                      <a:headEnd type="none" w="med" len="med"/>
-                      <a:tailEnd type="none" w="med" len="med"/>
-                    </a:lnT>
-                    <a:lnB w="12700" cap="flat" cmpd="sng" algn="ctr">
-                      <a:solidFill>
-                        <a:schemeClr val="tx1"/>
-                      </a:solidFill>
-                      <a:prstDash val="solid"/>
-                      <a:round/>
-                      <a:headEnd type="none" w="med" len="med"/>
-                      <a:tailEnd type="none" w="med" len="med"/>
-                    </a:lnB>
-                  </a:tcPr>
-                </a:tc>
-                <a:tc>
-                  <a:txBody>
-                    <a:bodyPr/>
-                    <a:lstStyle/>
-                    <a:p>
-                      <a:endParaRPr lang="fr-FR" sz="1100" dirty="0"/>
-                    </a:p>
-                  </a:txBody>
-                  <a:tcPr>
-                    <a:lnL w="12700" cap="flat" cmpd="sng" algn="ctr">
-                      <a:solidFill>
-                        <a:schemeClr val="tx1"/>
-                      </a:solidFill>
-                      <a:prstDash val="solid"/>
-                      <a:round/>
-                      <a:headEnd type="none" w="med" len="med"/>
-                      <a:tailEnd type="none" w="med" len="med"/>
-                    </a:lnL>
-                    <a:lnR w="12700" cap="flat" cmpd="sng" algn="ctr">
-                      <a:solidFill>
-                        <a:schemeClr val="tx1"/>
-                      </a:solidFill>
-                      <a:prstDash val="solid"/>
-                      <a:round/>
-                      <a:headEnd type="none" w="med" len="med"/>
-                      <a:tailEnd type="none" w="med" len="med"/>
-                    </a:lnR>
-                    <a:lnT w="12700" cap="flat" cmpd="sng" algn="ctr">
-                      <a:solidFill>
-                        <a:schemeClr val="tx1"/>
-                      </a:solidFill>
-                      <a:prstDash val="solid"/>
-                      <a:round/>
-                      <a:headEnd type="none" w="med" len="med"/>
-                      <a:tailEnd type="none" w="med" len="med"/>
-                    </a:lnT>
-                    <a:lnB w="12700" cap="flat" cmpd="sng" algn="ctr">
-                      <a:solidFill>
-                        <a:schemeClr val="tx1"/>
-                      </a:solidFill>
-                      <a:prstDash val="solid"/>
-                      <a:round/>
-                      <a:headEnd type="none" w="med" len="med"/>
-                      <a:tailEnd type="none" w="med" len="med"/>
-                    </a:lnB>
-                  </a:tcPr>
-                </a:tc>
-                <a:extLst>
-                  <a:ext uri="{0D108BD9-81ED-4DB2-BD59-A6C34878D82A}">
-                    <a16:rowId xmlns:a16="http://schemas.microsoft.com/office/drawing/2014/main" val="1265707425"/>
-                  </a:ext>
-                </a:extLst>
-              </a:tr>
-              <a:tr h="128283">
+              <a:tr h="270728">
                 <a:tc>
                   <a:txBody>
                     <a:bodyPr/>
                     <a:lstStyle/>
                     <a:p>
                       <a:r>
-                        <a:rPr lang="fr-FR" sz="1100" dirty="0"/>
+                        <a:rPr lang="fr-FR" sz="900" dirty="0"/>
                         <a:t>FPN : KPI</a:t>
                       </a:r>
                     </a:p>
@@ -15724,7 +15049,7 @@
                     <a:lstStyle/>
                     <a:p>
                       <a:r>
-                        <a:rPr lang="fr-FR" sz="1100" dirty="0"/>
+                        <a:rPr lang="fr-FR" sz="900" dirty="0"/>
                         <a:t>FSN.1 : Masse</a:t>
                       </a:r>
                     </a:p>
@@ -15773,7 +15098,7 @@
                     <a:bodyPr/>
                     <a:lstStyle/>
                     <a:p>
-                      <a:endParaRPr lang="fr-FR" sz="1100" dirty="0"/>
+                      <a:endParaRPr lang="fr-FR" sz="900" dirty="0"/>
                     </a:p>
                   </a:txBody>
                   <a:tcPr>
@@ -15820,7 +15145,7 @@
                     <a:bodyPr/>
                     <a:lstStyle/>
                     <a:p>
-                      <a:endParaRPr lang="fr-FR" sz="1100" dirty="0"/>
+                      <a:endParaRPr lang="fr-FR" sz="900" dirty="0"/>
                     </a:p>
                   </a:txBody>
                   <a:tcPr>
@@ -15867,7 +15192,7 @@
                     <a:bodyPr/>
                     <a:lstStyle/>
                     <a:p>
-                      <a:endParaRPr lang="fr-FR" sz="1100"/>
+                      <a:endParaRPr lang="fr-FR" sz="900"/>
                     </a:p>
                   </a:txBody>
                   <a:tcPr>
@@ -15914,7 +15239,7 @@
                     <a:bodyPr/>
                     <a:lstStyle/>
                     <a:p>
-                      <a:endParaRPr lang="fr-FR" sz="1100" dirty="0"/>
+                      <a:endParaRPr lang="fr-FR" sz="900" dirty="0"/>
                     </a:p>
                   </a:txBody>
                   <a:tcPr>
@@ -15962,13 +15287,13 @@
                   </a:ext>
                 </a:extLst>
               </a:tr>
-              <a:tr h="128283">
+              <a:tr h="270728">
                 <a:tc>
                   <a:txBody>
                     <a:bodyPr/>
                     <a:lstStyle/>
                     <a:p>
-                      <a:endParaRPr lang="fr-FR" sz="1100" dirty="0"/>
+                      <a:endParaRPr lang="fr-FR" sz="900" dirty="0"/>
                     </a:p>
                   </a:txBody>
                   <a:tcPr>
@@ -16016,7 +15341,7 @@
                     <a:lstStyle/>
                     <a:p>
                       <a:r>
-                        <a:rPr lang="fr-FR" sz="1100" dirty="0"/>
+                        <a:rPr lang="fr-FR" sz="900" dirty="0"/>
                         <a:t>FSN.2 :</a:t>
                       </a:r>
                     </a:p>
@@ -16065,7 +15390,7 @@
                     <a:bodyPr/>
                     <a:lstStyle/>
                     <a:p>
-                      <a:endParaRPr lang="fr-FR" sz="1100" dirty="0"/>
+                      <a:endParaRPr lang="fr-FR" sz="900" dirty="0"/>
                     </a:p>
                   </a:txBody>
                   <a:tcPr>
@@ -16112,7 +15437,7 @@
                     <a:bodyPr/>
                     <a:lstStyle/>
                     <a:p>
-                      <a:endParaRPr lang="fr-FR" sz="1100" dirty="0"/>
+                      <a:endParaRPr lang="fr-FR" sz="900" dirty="0"/>
                     </a:p>
                   </a:txBody>
                   <a:tcPr>
@@ -16159,7 +15484,7 @@
                     <a:bodyPr/>
                     <a:lstStyle/>
                     <a:p>
-                      <a:endParaRPr lang="fr-FR" sz="1100" dirty="0"/>
+                      <a:endParaRPr lang="fr-FR" sz="900" dirty="0"/>
                     </a:p>
                   </a:txBody>
                   <a:tcPr>
@@ -16206,7 +15531,7 @@
                     <a:bodyPr/>
                     <a:lstStyle/>
                     <a:p>
-                      <a:endParaRPr lang="fr-FR" sz="1100" dirty="0"/>
+                      <a:endParaRPr lang="fr-FR" sz="900" dirty="0"/>
                     </a:p>
                   </a:txBody>
                   <a:tcPr>
@@ -16254,13 +15579,13 @@
                   </a:ext>
                 </a:extLst>
               </a:tr>
-              <a:tr h="128283">
+              <a:tr h="270728">
                 <a:tc>
                   <a:txBody>
                     <a:bodyPr/>
                     <a:lstStyle/>
                     <a:p>
-                      <a:endParaRPr lang="fr-FR" sz="1100" dirty="0"/>
+                      <a:endParaRPr lang="fr-FR" sz="900" dirty="0"/>
                     </a:p>
                   </a:txBody>
                   <a:tcPr>
@@ -16308,7 +15633,7 @@
                     <a:lstStyle/>
                     <a:p>
                       <a:r>
-                        <a:rPr lang="fr-FR" sz="1100" dirty="0"/>
+                        <a:rPr lang="fr-FR" sz="900" dirty="0"/>
                         <a:t>FSN.3 :</a:t>
                       </a:r>
                     </a:p>
@@ -16357,7 +15682,7 @@
                     <a:bodyPr/>
                     <a:lstStyle/>
                     <a:p>
-                      <a:endParaRPr lang="fr-FR" sz="1100" dirty="0"/>
+                      <a:endParaRPr lang="fr-FR" sz="900" dirty="0"/>
                     </a:p>
                   </a:txBody>
                   <a:tcPr>
@@ -16404,7 +15729,7 @@
                     <a:bodyPr/>
                     <a:lstStyle/>
                     <a:p>
-                      <a:endParaRPr lang="fr-FR" sz="1100"/>
+                      <a:endParaRPr lang="fr-FR" sz="900"/>
                     </a:p>
                   </a:txBody>
                   <a:tcPr>
@@ -16451,7 +15776,7 @@
                     <a:bodyPr/>
                     <a:lstStyle/>
                     <a:p>
-                      <a:endParaRPr lang="fr-FR" sz="1100" dirty="0"/>
+                      <a:endParaRPr lang="fr-FR" sz="900" dirty="0"/>
                     </a:p>
                   </a:txBody>
                   <a:tcPr>
@@ -16498,7 +15823,7 @@
                     <a:bodyPr/>
                     <a:lstStyle/>
                     <a:p>
-                      <a:endParaRPr lang="fr-FR" sz="1100" dirty="0"/>
+                      <a:endParaRPr lang="fr-FR" sz="900" dirty="0"/>
                     </a:p>
                   </a:txBody>
                   <a:tcPr>
@@ -16546,13 +15871,13 @@
                   </a:ext>
                 </a:extLst>
               </a:tr>
-              <a:tr h="128283">
+              <a:tr h="270728">
                 <a:tc>
                   <a:txBody>
                     <a:bodyPr/>
                     <a:lstStyle/>
                     <a:p>
-                      <a:endParaRPr lang="fr-FR" sz="1100" dirty="0"/>
+                      <a:endParaRPr lang="fr-FR" sz="900" dirty="0"/>
                     </a:p>
                   </a:txBody>
                   <a:tcPr>
@@ -16600,7 +15925,7 @@
                     <a:lstStyle/>
                     <a:p>
                       <a:r>
-                        <a:rPr lang="fr-FR" sz="1100" dirty="0"/>
+                        <a:rPr lang="fr-FR" sz="900" dirty="0"/>
                         <a:t>FSN.4 :</a:t>
                       </a:r>
                     </a:p>
@@ -16649,7 +15974,7 @@
                     <a:bodyPr/>
                     <a:lstStyle/>
                     <a:p>
-                      <a:endParaRPr lang="fr-FR" sz="1100" dirty="0"/>
+                      <a:endParaRPr lang="fr-FR" sz="900" dirty="0"/>
                     </a:p>
                   </a:txBody>
                   <a:tcPr>
@@ -16696,7 +16021,7 @@
                     <a:bodyPr/>
                     <a:lstStyle/>
                     <a:p>
-                      <a:endParaRPr lang="fr-FR" sz="1100"/>
+                      <a:endParaRPr lang="fr-FR" sz="900"/>
                     </a:p>
                   </a:txBody>
                   <a:tcPr>
@@ -16743,7 +16068,7 @@
                     <a:bodyPr/>
                     <a:lstStyle/>
                     <a:p>
-                      <a:endParaRPr lang="fr-FR" sz="1100"/>
+                      <a:endParaRPr lang="fr-FR" sz="900"/>
                     </a:p>
                   </a:txBody>
                   <a:tcPr>
@@ -16790,7 +16115,7 @@
                     <a:bodyPr/>
                     <a:lstStyle/>
                     <a:p>
-                      <a:endParaRPr lang="fr-FR" sz="1100" dirty="0"/>
+                      <a:endParaRPr lang="fr-FR" sz="900" dirty="0"/>
                     </a:p>
                   </a:txBody>
                   <a:tcPr>
@@ -16838,13 +16163,13 @@
                   </a:ext>
                 </a:extLst>
               </a:tr>
-              <a:tr h="128283">
+              <a:tr h="270728">
                 <a:tc>
                   <a:txBody>
                     <a:bodyPr/>
                     <a:lstStyle/>
                     <a:p>
-                      <a:endParaRPr lang="fr-FR" sz="1100" dirty="0"/>
+                      <a:endParaRPr lang="fr-FR" sz="900" dirty="0"/>
                     </a:p>
                   </a:txBody>
                   <a:tcPr>
@@ -16892,7 +16217,7 @@
                     <a:lstStyle/>
                     <a:p>
                       <a:r>
-                        <a:rPr lang="fr-FR" sz="1100" dirty="0"/>
+                        <a:rPr lang="fr-FR" sz="900" dirty="0"/>
                         <a:t>FSN.5 :</a:t>
                       </a:r>
                     </a:p>
@@ -16941,7 +16266,7 @@
                     <a:bodyPr/>
                     <a:lstStyle/>
                     <a:p>
-                      <a:endParaRPr lang="fr-FR" sz="1100" dirty="0"/>
+                      <a:endParaRPr lang="fr-FR" sz="900" dirty="0"/>
                     </a:p>
                   </a:txBody>
                   <a:tcPr>
@@ -16988,7 +16313,7 @@
                     <a:bodyPr/>
                     <a:lstStyle/>
                     <a:p>
-                      <a:endParaRPr lang="fr-FR" sz="1100"/>
+                      <a:endParaRPr lang="fr-FR" sz="900"/>
                     </a:p>
                   </a:txBody>
                   <a:tcPr>
@@ -17035,7 +16360,7 @@
                     <a:bodyPr/>
                     <a:lstStyle/>
                     <a:p>
-                      <a:endParaRPr lang="fr-FR" sz="1100"/>
+                      <a:endParaRPr lang="fr-FR" sz="900"/>
                     </a:p>
                   </a:txBody>
                   <a:tcPr>
@@ -17082,7 +16407,7 @@
                     <a:bodyPr/>
                     <a:lstStyle/>
                     <a:p>
-                      <a:endParaRPr lang="fr-FR" sz="1100" dirty="0"/>
+                      <a:endParaRPr lang="fr-FR" sz="900" dirty="0"/>
                     </a:p>
                   </a:txBody>
                   <a:tcPr>
@@ -17180,8 +16505,8 @@
         </p:nvSpPr>
         <p:spPr>
           <a:xfrm>
-            <a:off x="-1" y="0"/>
-            <a:ext cx="6735029" cy="461665"/>
+            <a:off x="0" y="1"/>
+            <a:ext cx="5211028" cy="461665"/>
           </a:xfrm>
           <a:prstGeom prst="rect">
             <a:avLst/>
@@ -17197,17 +16522,9 @@
           </a:bodyPr>
           <a:lstStyle/>
           <a:p>
-            <a:pPr marL="0" marR="0" lvl="0" indent="0" algn="ctr" rtl="0">
-              <a:spcBef>
-                <a:spcPts val="0"/>
-              </a:spcBef>
-              <a:spcAft>
-                <a:spcPts val="0"/>
-              </a:spcAft>
-              <a:buNone/>
-            </a:pPr>
+            <a:pPr algn="ctr"/>
             <a:r>
-              <a:rPr lang="fr-FR" sz="2400" b="1" i="0" u="sng" strike="noStrike" cap="none" dirty="0">
+              <a:rPr lang="fr-FR" sz="2400" b="1" u="sng" dirty="0">
                 <a:solidFill>
                   <a:srgbClr val="C2381E"/>
                 </a:solidFill>
@@ -17219,7 +16536,7 @@
               <a:t>TOP Pré-Dim </a:t>
             </a:r>
             <a:r>
-              <a:rPr lang="fr-FR" sz="2000" b="1" i="0" u="sng" strike="noStrike" cap="none" dirty="0">
+              <a:rPr lang="fr-FR" sz="2000" b="1" u="sng" dirty="0">
                 <a:solidFill>
                   <a:schemeClr val="tx1"/>
                 </a:solidFill>
@@ -17252,8 +16569,8 @@
         </p:nvSpPr>
         <p:spPr>
           <a:xfrm>
-            <a:off x="1" y="590549"/>
-            <a:ext cx="6095999" cy="4521381"/>
+            <a:off x="0" y="590550"/>
+            <a:ext cx="4572000" cy="4521381"/>
           </a:xfrm>
           <a:prstGeom prst="rect">
             <a:avLst/>
@@ -17286,7 +16603,7 @@
           <a:lstStyle/>
           <a:p>
             <a:r>
-              <a:rPr lang="fr-FR" b="1" dirty="0">
+              <a:rPr lang="fr-FR" sz="1200" b="1" dirty="0">
                 <a:solidFill>
                   <a:schemeClr val="tx1"/>
                 </a:solidFill>
@@ -17296,7 +16613,7 @@
           </a:p>
           <a:p>
             <a:r>
-              <a:rPr lang="fr-FR" sz="1100" dirty="0">
+              <a:rPr lang="fr-FR" sz="1000" dirty="0">
                 <a:solidFill>
                   <a:schemeClr val="tx1"/>
                 </a:solidFill>
@@ -17306,7 +16623,7 @@
           </a:p>
           <a:p>
             <a:r>
-              <a:rPr lang="fr-FR" sz="1100" dirty="0">
+              <a:rPr lang="fr-FR" sz="1000" dirty="0">
                 <a:solidFill>
                   <a:schemeClr val="tx1"/>
                 </a:solidFill>
@@ -17314,7 +16631,7 @@
               <a:t>Niveau préliminaire – </a:t>
             </a:r>
             <a:r>
-              <a:rPr lang="fr-FR" sz="1100" dirty="0">
+              <a:rPr lang="fr-FR" sz="1000" dirty="0">
                 <a:solidFill>
                   <a:schemeClr val="tx1"/>
                 </a:solidFill>
@@ -17326,7 +16643,7 @@
             </a:r>
           </a:p>
           <a:p>
-            <a:endParaRPr lang="fr-FR" sz="1100" dirty="0">
+            <a:endParaRPr lang="fr-FR" sz="1000" dirty="0">
               <a:solidFill>
                 <a:schemeClr val="tx1"/>
               </a:solidFill>
@@ -17334,7 +16651,7 @@
           </a:p>
           <a:p>
             <a:r>
-              <a:rPr lang="fr-FR" sz="1100" dirty="0">
+              <a:rPr lang="fr-FR" sz="1000" dirty="0">
                 <a:solidFill>
                   <a:schemeClr val="tx1"/>
                 </a:solidFill>
@@ -17342,7 +16659,7 @@
               <a:t>Image du cas de charge dimensionnant – </a:t>
             </a:r>
             <a:r>
-              <a:rPr lang="fr-FR" sz="1100" dirty="0">
+              <a:rPr lang="fr-FR" sz="1000" dirty="0">
                 <a:solidFill>
                   <a:schemeClr val="tx1"/>
                 </a:solidFill>
@@ -17355,7 +16672,7 @@
           </a:p>
           <a:p>
             <a:r>
-              <a:rPr lang="fr-FR" sz="1100" dirty="0">
+              <a:rPr lang="fr-FR" sz="1000" dirty="0">
                 <a:solidFill>
                   <a:schemeClr val="tx1"/>
                 </a:solidFill>
@@ -17363,7 +16680,7 @@
               <a:t>Illustration du modèle de calcul dimensionnant – </a:t>
             </a:r>
             <a:r>
-              <a:rPr lang="fr-FR" sz="1100" dirty="0">
+              <a:rPr lang="fr-FR" sz="1000" dirty="0">
                 <a:solidFill>
                   <a:schemeClr val="tx1"/>
                 </a:solidFill>
@@ -17394,8 +16711,8 @@
         </p:nvSpPr>
         <p:spPr>
           <a:xfrm>
-            <a:off x="6096001" y="590550"/>
-            <a:ext cx="6096000" cy="6267450"/>
+            <a:off x="4572001" y="590550"/>
+            <a:ext cx="4571999" cy="6267450"/>
           </a:xfrm>
           <a:prstGeom prst="rect">
             <a:avLst/>
@@ -17428,7 +16745,7 @@
           <a:lstStyle/>
           <a:p>
             <a:r>
-              <a:rPr lang="fr-FR" b="1" dirty="0">
+              <a:rPr lang="fr-FR" sz="1200" b="1" dirty="0">
                 <a:solidFill>
                   <a:schemeClr val="tx1"/>
                 </a:solidFill>
@@ -17445,7 +16762,7 @@
           </a:p>
           <a:p>
             <a:r>
-              <a:rPr lang="fr-FR" sz="1100" dirty="0">
+              <a:rPr lang="fr-FR" sz="1000" dirty="0">
                 <a:solidFill>
                   <a:schemeClr val="tx1"/>
                 </a:solidFill>
@@ -17454,7 +16771,7 @@
             </a:r>
           </a:p>
           <a:p>
-            <a:endParaRPr lang="fr-FR" sz="1100" dirty="0">
+            <a:endParaRPr lang="fr-FR" sz="1000" dirty="0">
               <a:solidFill>
                 <a:schemeClr val="tx1"/>
               </a:solidFill>
@@ -17462,7 +16779,7 @@
           </a:p>
           <a:p>
             <a:r>
-              <a:rPr lang="fr-FR" sz="1100" dirty="0">
+              <a:rPr lang="fr-FR" sz="1000" dirty="0">
                 <a:solidFill>
                   <a:schemeClr val="tx1"/>
                 </a:solidFill>
@@ -17472,7 +16789,7 @@
           </a:p>
           <a:p>
             <a:r>
-              <a:rPr lang="fr-FR" sz="1100" dirty="0">
+              <a:rPr lang="fr-FR" sz="1000" dirty="0">
                 <a:solidFill>
                   <a:schemeClr val="tx1"/>
                 </a:solidFill>
@@ -17482,7 +16799,7 @@
           </a:p>
           <a:p>
             <a:r>
-              <a:rPr lang="fr-FR" sz="1100" dirty="0">
+              <a:rPr lang="fr-FR" sz="1000" dirty="0">
                 <a:solidFill>
                   <a:schemeClr val="tx1"/>
                 </a:solidFill>
@@ -17490,7 +16807,7 @@
               <a:t>Niveau préliminaire (cas ultime) – </a:t>
             </a:r>
             <a:r>
-              <a:rPr lang="fr-FR" sz="1100" dirty="0">
+              <a:rPr lang="fr-FR" sz="1000" dirty="0">
                 <a:solidFill>
                   <a:schemeClr val="tx1"/>
                 </a:solidFill>
@@ -17503,7 +16820,7 @@
           </a:p>
           <a:p>
             <a:r>
-              <a:rPr lang="fr-FR" sz="1100" dirty="0">
+              <a:rPr lang="fr-FR" sz="1000" dirty="0">
                 <a:solidFill>
                   <a:schemeClr val="tx1"/>
                 </a:solidFill>
@@ -17531,7 +16848,7 @@
         </p:nvSpPr>
         <p:spPr>
           <a:xfrm>
-            <a:off x="10972799" y="95219"/>
+            <a:off x="7924799" y="95219"/>
             <a:ext cx="609600" cy="400110"/>
           </a:xfrm>
           <a:prstGeom prst="rect">
@@ -17570,7 +16887,7 @@
         </p:nvSpPr>
         <p:spPr>
           <a:xfrm>
-            <a:off x="11582400" y="0"/>
+            <a:off x="8534400" y="1"/>
             <a:ext cx="609600" cy="590549"/>
           </a:xfrm>
           <a:prstGeom prst="rect">
